--- a/PPT/PPT展示.pptx
+++ b/PPT/PPT展示.pptx
@@ -129,6 +129,10 @@
 </p:presentation>
 </file>
 
+<file path=ppt/revisionInfo.xml><?xml version="1.0" encoding="utf-8"?>
+<p1510:revInfo xmlns:a="http://schemas.openxmlformats.org/drawingml/2006/main" xmlns:r="http://schemas.openxmlformats.org/officeDocument/2006/relationships" xmlns:p1510="http://schemas.microsoft.com/office/powerpoint/2015/10/main"/>
+</file>
+
 <file path=ppt/notesMasters/notesMaster1.xml><?xml version="1.0" encoding="utf-8"?>
 <p:notesMaster xmlns:a="http://schemas.openxmlformats.org/drawingml/2006/main" xmlns:r="http://schemas.openxmlformats.org/officeDocument/2006/relationships" xmlns:p="http://schemas.openxmlformats.org/presentationml/2006/main">
   <p:cSld>
@@ -211,7 +215,7 @@
           <a:p>
             <a:fld id="{3E6E1E63-6347-BD4F-A808-7F54FA34CE72}" type="datetimeFigureOut">
               <a:rPr kumimoji="1" lang="zh-CN" altLang="en-US" smtClean="0"/>
-              <a:t>2017/4/20</a:t>
+              <a:t>2017/12/8</a:t>
             </a:fld>
             <a:endParaRPr kumimoji="1" lang="zh-CN" altLang="en-US"/>
           </a:p>
@@ -3679,12 +3683,12 @@
           <a:lstStyle/>
           <a:p>
             <a:r>
-              <a:rPr lang="en-US" altLang="zh-CN" dirty="0"/>
-              <a:t>——</a:t>
-            </a:r>
-            <a:r>
-              <a:rPr lang="zh-CN" altLang="en-US" dirty="0"/>
-              <a:t>对不队</a:t>
+              <a:rPr lang="en-US" altLang="zh-CN"/>
+              <a:t>——NO1</a:t>
+            </a:r>
+            <a:r>
+              <a:rPr lang="zh-CN" altLang="en-US"/>
+              <a:t>队</a:t>
             </a:r>
             <a:endParaRPr lang="en-US" altLang="zh-CN" dirty="0"/>
           </a:p>

--- a/PPT/PPT展示.pptx
+++ b/PPT/PPT展示.pptx
@@ -12,14 +12,14 @@
     <p:sldId id="256" r:id="rId3"/>
     <p:sldId id="257" r:id="rId4"/>
     <p:sldId id="258" r:id="rId5"/>
-    <p:sldId id="259" r:id="rId6"/>
-    <p:sldId id="261" r:id="rId7"/>
-    <p:sldId id="262" r:id="rId8"/>
-    <p:sldId id="275" r:id="rId9"/>
-    <p:sldId id="263" r:id="rId10"/>
-    <p:sldId id="265" r:id="rId11"/>
-    <p:sldId id="272" r:id="rId12"/>
-    <p:sldId id="274" r:id="rId13"/>
+    <p:sldId id="261" r:id="rId6"/>
+    <p:sldId id="262" r:id="rId7"/>
+    <p:sldId id="275" r:id="rId8"/>
+    <p:sldId id="263" r:id="rId9"/>
+    <p:sldId id="265" r:id="rId10"/>
+    <p:sldId id="272" r:id="rId11"/>
+    <p:sldId id="274" r:id="rId12"/>
+    <p:sldId id="259" r:id="rId13"/>
   </p:sldIdLst>
   <p:sldSz cx="12192000" cy="6858000"/>
   <p:notesSz cx="6858000" cy="9144000"/>
@@ -215,7 +215,7 @@
           <a:p>
             <a:fld id="{3E6E1E63-6347-BD4F-A808-7F54FA34CE72}" type="datetimeFigureOut">
               <a:rPr kumimoji="1" lang="zh-CN" altLang="en-US" smtClean="0"/>
-              <a:t>2017/12/8</a:t>
+              <a:t>2017/12/15</a:t>
             </a:fld>
             <a:endParaRPr kumimoji="1" lang="zh-CN" altLang="en-US"/>
           </a:p>
@@ -3743,1140 +3743,6 @@
             <a:spLocks noGrp="1"/>
           </p:cNvSpPr>
           <p:nvPr>
-            <p:ph type="body" sz="quarter" idx="11"/>
-          </p:nvPr>
-        </p:nvSpPr>
-        <p:spPr/>
-        <p:txBody>
-          <a:bodyPr/>
-          <a:lstStyle/>
-          <a:p>
-            <a:r>
-              <a:rPr lang="zh-CN" altLang="en-US" dirty="0"/>
-              <a:t>服务器端</a:t>
-            </a:r>
-          </a:p>
-        </p:txBody>
-      </p:sp>
-      <p:sp>
-        <p:nvSpPr>
-          <p:cNvPr id="3" name="文本占位符 2"/>
-          <p:cNvSpPr>
-            <a:spLocks noGrp="1"/>
-          </p:cNvSpPr>
-          <p:nvPr>
-            <p:ph type="body" sz="quarter" idx="12"/>
-          </p:nvPr>
-        </p:nvSpPr>
-        <p:spPr/>
-        <p:txBody>
-          <a:bodyPr/>
-          <a:lstStyle/>
-          <a:p>
-            <a:r>
-              <a:rPr kumimoji="1" lang="zh-CN" altLang="en-US" dirty="0">
-                <a:cs typeface="+mn-ea"/>
-                <a:sym typeface="+mn-lt"/>
-              </a:rPr>
-              <a:t>项目集合</a:t>
-            </a:r>
-          </a:p>
-        </p:txBody>
-      </p:sp>
-      <p:grpSp>
-        <p:nvGrpSpPr>
-          <p:cNvPr id="39" name="组 38"/>
-          <p:cNvGrpSpPr/>
-          <p:nvPr/>
-        </p:nvGrpSpPr>
-        <p:grpSpPr>
-          <a:xfrm>
-            <a:off x="3707152" y="1866561"/>
-            <a:ext cx="4777699" cy="4137072"/>
-            <a:chOff x="2724079" y="1043685"/>
-            <a:chExt cx="3583741" cy="3103208"/>
-          </a:xfrm>
-        </p:grpSpPr>
-        <p:grpSp>
-          <p:nvGrpSpPr>
-            <p:cNvPr id="43" name="组 42"/>
-            <p:cNvGrpSpPr/>
-            <p:nvPr/>
-          </p:nvGrpSpPr>
-          <p:grpSpPr>
-            <a:xfrm>
-              <a:off x="3317472" y="1043685"/>
-              <a:ext cx="2396954" cy="1072428"/>
-              <a:chOff x="3286088" y="1061323"/>
-              <a:chExt cx="2396954" cy="1072428"/>
-            </a:xfrm>
-          </p:grpSpPr>
-          <p:sp>
-            <p:nvSpPr>
-              <p:cNvPr id="61" name="六边形 60"/>
-              <p:cNvSpPr/>
-              <p:nvPr/>
-            </p:nvSpPr>
-            <p:spPr>
-              <a:xfrm rot="1799508">
-                <a:off x="4439027" y="1061324"/>
-                <a:ext cx="1244015" cy="1072427"/>
-              </a:xfrm>
-              <a:prstGeom prst="hexagon">
-                <a:avLst>
-                  <a:gd name="adj" fmla="val 28919"/>
-                  <a:gd name="vf" fmla="val 115470"/>
-                </a:avLst>
-              </a:prstGeom>
-              <a:solidFill>
-                <a:schemeClr val="accent2"/>
-              </a:solidFill>
-              <a:ln>
-                <a:noFill/>
-              </a:ln>
-              <a:effectLst/>
-            </p:spPr>
-            <p:style>
-              <a:lnRef idx="1">
-                <a:schemeClr val="accent1"/>
-              </a:lnRef>
-              <a:fillRef idx="3">
-                <a:schemeClr val="accent1"/>
-              </a:fillRef>
-              <a:effectRef idx="2">
-                <a:schemeClr val="accent1"/>
-              </a:effectRef>
-              <a:fontRef idx="minor">
-                <a:schemeClr val="lt1"/>
-              </a:fontRef>
-            </p:style>
-            <p:txBody>
-              <a:bodyPr rtlCol="0" anchor="ctr"/>
-              <a:lstStyle/>
-              <a:p>
-                <a:pPr algn="ctr" defTabSz="914309"/>
-                <a:endParaRPr kumimoji="1" lang="zh-CN" altLang="en-US" sz="2400" kern="0">
-                  <a:solidFill>
-                    <a:sysClr val="windowText" lastClr="000000"/>
-                  </a:solidFill>
-                  <a:cs typeface="+mn-ea"/>
-                  <a:sym typeface="+mn-lt"/>
-                </a:endParaRPr>
-              </a:p>
-            </p:txBody>
-          </p:sp>
-          <p:sp>
-            <p:nvSpPr>
-              <p:cNvPr id="62" name="六边形 61"/>
-              <p:cNvSpPr/>
-              <p:nvPr/>
-            </p:nvSpPr>
-            <p:spPr>
-              <a:xfrm rot="1799508">
-                <a:off x="3286088" y="1061323"/>
-                <a:ext cx="1244015" cy="1072427"/>
-              </a:xfrm>
-              <a:prstGeom prst="hexagon">
-                <a:avLst>
-                  <a:gd name="adj" fmla="val 28919"/>
-                  <a:gd name="vf" fmla="val 115470"/>
-                </a:avLst>
-              </a:prstGeom>
-              <a:solidFill>
-                <a:schemeClr val="accent1"/>
-              </a:solidFill>
-              <a:ln>
-                <a:noFill/>
-              </a:ln>
-              <a:effectLst/>
-            </p:spPr>
-            <p:style>
-              <a:lnRef idx="1">
-                <a:schemeClr val="accent1"/>
-              </a:lnRef>
-              <a:fillRef idx="3">
-                <a:schemeClr val="accent1"/>
-              </a:fillRef>
-              <a:effectRef idx="2">
-                <a:schemeClr val="accent1"/>
-              </a:effectRef>
-              <a:fontRef idx="minor">
-                <a:schemeClr val="lt1"/>
-              </a:fontRef>
-            </p:style>
-            <p:txBody>
-              <a:bodyPr rtlCol="0" anchor="ctr"/>
-              <a:lstStyle/>
-              <a:p>
-                <a:pPr algn="ctr" defTabSz="914309"/>
-                <a:endParaRPr kumimoji="1" lang="zh-CN" altLang="en-US" sz="2400" kern="0">
-                  <a:solidFill>
-                    <a:sysClr val="windowText" lastClr="000000"/>
-                  </a:solidFill>
-                  <a:cs typeface="+mn-ea"/>
-                  <a:sym typeface="+mn-lt"/>
-                </a:endParaRPr>
-              </a:p>
-            </p:txBody>
-          </p:sp>
-        </p:grpSp>
-        <p:grpSp>
-          <p:nvGrpSpPr>
-            <p:cNvPr id="49" name="组 48"/>
-            <p:cNvGrpSpPr/>
-            <p:nvPr/>
-          </p:nvGrpSpPr>
-          <p:grpSpPr>
-            <a:xfrm>
-              <a:off x="2724079" y="2060311"/>
-              <a:ext cx="3583741" cy="1072433"/>
-              <a:chOff x="2724079" y="2060313"/>
-              <a:chExt cx="3583741" cy="1072433"/>
-            </a:xfrm>
-          </p:grpSpPr>
-          <p:sp>
-            <p:nvSpPr>
-              <p:cNvPr id="59" name="六边形 58"/>
-              <p:cNvSpPr/>
-              <p:nvPr/>
-            </p:nvSpPr>
-            <p:spPr>
-              <a:xfrm rot="1799508">
-                <a:off x="2724079" y="2060313"/>
-                <a:ext cx="1244015" cy="1072427"/>
-              </a:xfrm>
-              <a:prstGeom prst="hexagon">
-                <a:avLst>
-                  <a:gd name="adj" fmla="val 28919"/>
-                  <a:gd name="vf" fmla="val 115470"/>
-                </a:avLst>
-              </a:prstGeom>
-              <a:solidFill>
-                <a:schemeClr val="accent4"/>
-              </a:solidFill>
-              <a:ln>
-                <a:noFill/>
-              </a:ln>
-              <a:effectLst/>
-            </p:spPr>
-            <p:style>
-              <a:lnRef idx="1">
-                <a:schemeClr val="accent1"/>
-              </a:lnRef>
-              <a:fillRef idx="3">
-                <a:schemeClr val="accent1"/>
-              </a:fillRef>
-              <a:effectRef idx="2">
-                <a:schemeClr val="accent1"/>
-              </a:effectRef>
-              <a:fontRef idx="minor">
-                <a:schemeClr val="lt1"/>
-              </a:fontRef>
-            </p:style>
-            <p:txBody>
-              <a:bodyPr rtlCol="0" anchor="ctr"/>
-              <a:lstStyle/>
-              <a:p>
-                <a:pPr algn="ctr" defTabSz="914309"/>
-                <a:endParaRPr kumimoji="1" lang="zh-CN" altLang="en-US" sz="2400" kern="0">
-                  <a:solidFill>
-                    <a:sysClr val="windowText" lastClr="000000"/>
-                  </a:solidFill>
-                  <a:cs typeface="+mn-ea"/>
-                  <a:sym typeface="+mn-lt"/>
-                </a:endParaRPr>
-              </a:p>
-            </p:txBody>
-          </p:sp>
-          <p:sp>
-            <p:nvSpPr>
-              <p:cNvPr id="60" name="六边形 59"/>
-              <p:cNvSpPr/>
-              <p:nvPr/>
-            </p:nvSpPr>
-            <p:spPr>
-              <a:xfrm rot="1799508">
-                <a:off x="5063805" y="2060319"/>
-                <a:ext cx="1244015" cy="1072427"/>
-              </a:xfrm>
-              <a:prstGeom prst="hexagon">
-                <a:avLst>
-                  <a:gd name="adj" fmla="val 28919"/>
-                  <a:gd name="vf" fmla="val 115470"/>
-                </a:avLst>
-              </a:prstGeom>
-              <a:solidFill>
-                <a:schemeClr val="accent4"/>
-              </a:solidFill>
-              <a:ln>
-                <a:noFill/>
-              </a:ln>
-              <a:effectLst/>
-            </p:spPr>
-            <p:style>
-              <a:lnRef idx="1">
-                <a:schemeClr val="accent1"/>
-              </a:lnRef>
-              <a:fillRef idx="3">
-                <a:schemeClr val="accent1"/>
-              </a:fillRef>
-              <a:effectRef idx="2">
-                <a:schemeClr val="accent1"/>
-              </a:effectRef>
-              <a:fontRef idx="minor">
-                <a:schemeClr val="lt1"/>
-              </a:fontRef>
-            </p:style>
-            <p:txBody>
-              <a:bodyPr rtlCol="0" anchor="ctr"/>
-              <a:lstStyle/>
-              <a:p>
-                <a:pPr algn="ctr" defTabSz="914309"/>
-                <a:endParaRPr kumimoji="1" lang="zh-CN" altLang="en-US" sz="2400" kern="0">
-                  <a:solidFill>
-                    <a:sysClr val="windowText" lastClr="000000"/>
-                  </a:solidFill>
-                  <a:cs typeface="+mn-ea"/>
-                  <a:sym typeface="+mn-lt"/>
-                </a:endParaRPr>
-              </a:p>
-            </p:txBody>
-          </p:sp>
-        </p:grpSp>
-        <p:grpSp>
-          <p:nvGrpSpPr>
-            <p:cNvPr id="53" name="组 52"/>
-            <p:cNvGrpSpPr/>
-            <p:nvPr/>
-          </p:nvGrpSpPr>
-          <p:grpSpPr>
-            <a:xfrm>
-              <a:off x="3317472" y="3074463"/>
-              <a:ext cx="2396954" cy="1072430"/>
-              <a:chOff x="3286088" y="3039187"/>
-              <a:chExt cx="2396954" cy="1072430"/>
-            </a:xfrm>
-          </p:grpSpPr>
-          <p:sp>
-            <p:nvSpPr>
-              <p:cNvPr id="57" name="六边形 56"/>
-              <p:cNvSpPr/>
-              <p:nvPr/>
-            </p:nvSpPr>
-            <p:spPr>
-              <a:xfrm rot="1799508">
-                <a:off x="3286088" y="3039187"/>
-                <a:ext cx="1244015" cy="1072427"/>
-              </a:xfrm>
-              <a:prstGeom prst="hexagon">
-                <a:avLst>
-                  <a:gd name="adj" fmla="val 28919"/>
-                  <a:gd name="vf" fmla="val 115470"/>
-                </a:avLst>
-              </a:prstGeom>
-              <a:solidFill>
-                <a:schemeClr val="accent2"/>
-              </a:solidFill>
-              <a:ln>
-                <a:noFill/>
-              </a:ln>
-              <a:effectLst/>
-            </p:spPr>
-            <p:style>
-              <a:lnRef idx="1">
-                <a:schemeClr val="accent1"/>
-              </a:lnRef>
-              <a:fillRef idx="3">
-                <a:schemeClr val="accent1"/>
-              </a:fillRef>
-              <a:effectRef idx="2">
-                <a:schemeClr val="accent1"/>
-              </a:effectRef>
-              <a:fontRef idx="minor">
-                <a:schemeClr val="lt1"/>
-              </a:fontRef>
-            </p:style>
-            <p:txBody>
-              <a:bodyPr rtlCol="0" anchor="ctr"/>
-              <a:lstStyle/>
-              <a:p>
-                <a:pPr algn="ctr" defTabSz="914309"/>
-                <a:endParaRPr kumimoji="1" lang="zh-CN" altLang="en-US" sz="2400" kern="0">
-                  <a:solidFill>
-                    <a:sysClr val="windowText" lastClr="000000"/>
-                  </a:solidFill>
-                  <a:cs typeface="+mn-ea"/>
-                  <a:sym typeface="+mn-lt"/>
-                </a:endParaRPr>
-              </a:p>
-            </p:txBody>
-          </p:sp>
-          <p:sp>
-            <p:nvSpPr>
-              <p:cNvPr id="58" name="六边形 57"/>
-              <p:cNvSpPr/>
-              <p:nvPr/>
-            </p:nvSpPr>
-            <p:spPr>
-              <a:xfrm rot="1799508">
-                <a:off x="4439027" y="3039190"/>
-                <a:ext cx="1244015" cy="1072427"/>
-              </a:xfrm>
-              <a:prstGeom prst="hexagon">
-                <a:avLst>
-                  <a:gd name="adj" fmla="val 28919"/>
-                  <a:gd name="vf" fmla="val 115470"/>
-                </a:avLst>
-              </a:prstGeom>
-              <a:solidFill>
-                <a:schemeClr val="accent1"/>
-              </a:solidFill>
-              <a:ln>
-                <a:noFill/>
-              </a:ln>
-              <a:effectLst/>
-            </p:spPr>
-            <p:style>
-              <a:lnRef idx="1">
-                <a:schemeClr val="accent1"/>
-              </a:lnRef>
-              <a:fillRef idx="3">
-                <a:schemeClr val="accent1"/>
-              </a:fillRef>
-              <a:effectRef idx="2">
-                <a:schemeClr val="accent1"/>
-              </a:effectRef>
-              <a:fontRef idx="minor">
-                <a:schemeClr val="lt1"/>
-              </a:fontRef>
-            </p:style>
-            <p:txBody>
-              <a:bodyPr rtlCol="0" anchor="ctr"/>
-              <a:lstStyle/>
-              <a:p>
-                <a:pPr algn="ctr" defTabSz="914309"/>
-                <a:endParaRPr kumimoji="1" lang="zh-CN" altLang="en-US" sz="2400" kern="0">
-                  <a:solidFill>
-                    <a:sysClr val="windowText" lastClr="000000"/>
-                  </a:solidFill>
-                  <a:cs typeface="+mn-ea"/>
-                  <a:sym typeface="+mn-lt"/>
-                </a:endParaRPr>
-              </a:p>
-            </p:txBody>
-          </p:sp>
-        </p:grpSp>
-        <p:sp>
-          <p:nvSpPr>
-            <p:cNvPr id="56" name="六边形 55"/>
-            <p:cNvSpPr/>
-            <p:nvPr/>
-          </p:nvSpPr>
-          <p:spPr>
-            <a:xfrm rot="1799508">
-              <a:off x="3893942" y="2060314"/>
-              <a:ext cx="1244015" cy="1072427"/>
-            </a:xfrm>
-            <a:prstGeom prst="hexagon">
-              <a:avLst>
-                <a:gd name="adj" fmla="val 28919"/>
-                <a:gd name="vf" fmla="val 115470"/>
-              </a:avLst>
-            </a:prstGeom>
-            <a:noFill/>
-            <a:ln>
-              <a:solidFill>
-                <a:schemeClr val="accent2"/>
-              </a:solidFill>
-            </a:ln>
-            <a:effectLst/>
-          </p:spPr>
-          <p:style>
-            <a:lnRef idx="1">
-              <a:schemeClr val="accent1"/>
-            </a:lnRef>
-            <a:fillRef idx="3">
-              <a:schemeClr val="accent1"/>
-            </a:fillRef>
-            <a:effectRef idx="2">
-              <a:schemeClr val="accent1"/>
-            </a:effectRef>
-            <a:fontRef idx="minor">
-              <a:schemeClr val="lt1"/>
-            </a:fontRef>
-          </p:style>
-          <p:txBody>
-            <a:bodyPr rtlCol="0" anchor="ctr"/>
-            <a:lstStyle/>
-            <a:p>
-              <a:pPr algn="ctr" defTabSz="914309"/>
-              <a:endParaRPr kumimoji="1" lang="zh-CN" altLang="en-US" sz="2400" kern="0">
-                <a:solidFill>
-                  <a:sysClr val="windowText" lastClr="000000"/>
-                </a:solidFill>
-                <a:cs typeface="+mn-ea"/>
-                <a:sym typeface="+mn-lt"/>
-              </a:endParaRPr>
-            </a:p>
-          </p:txBody>
-        </p:sp>
-      </p:grpSp>
-      <p:sp>
-        <p:nvSpPr>
-          <p:cNvPr id="69" name="文本框 68"/>
-          <p:cNvSpPr txBox="1"/>
-          <p:nvPr/>
-        </p:nvSpPr>
-        <p:spPr>
-          <a:xfrm>
-            <a:off x="7931609" y="1891091"/>
-            <a:ext cx="1005403" cy="338554"/>
-          </a:xfrm>
-          <a:prstGeom prst="rect">
-            <a:avLst/>
-          </a:prstGeom>
-          <a:noFill/>
-        </p:spPr>
-        <p:txBody>
-          <a:bodyPr wrap="none" rtlCol="0">
-            <a:spAutoFit/>
-          </a:bodyPr>
-          <a:lstStyle/>
-          <a:p>
-            <a:pPr algn="ctr" defTabSz="914309"/>
-            <a:r>
-              <a:rPr kumimoji="1" lang="zh-CN" altLang="en-US" sz="1600" b="1" kern="0" dirty="0">
-                <a:solidFill>
-                  <a:schemeClr val="accent2"/>
-                </a:solidFill>
-                <a:cs typeface="+mn-ea"/>
-                <a:sym typeface="+mn-lt"/>
-              </a:rPr>
-              <a:t>定时重启</a:t>
-            </a:r>
-          </a:p>
-        </p:txBody>
-      </p:sp>
-      <p:sp>
-        <p:nvSpPr>
-          <p:cNvPr id="70" name="文本框 69"/>
-          <p:cNvSpPr txBox="1"/>
-          <p:nvPr/>
-        </p:nvSpPr>
-        <p:spPr>
-          <a:xfrm>
-            <a:off x="7740269" y="2217305"/>
-            <a:ext cx="2632536" cy="599203"/>
-          </a:xfrm>
-          <a:prstGeom prst="rect">
-            <a:avLst/>
-          </a:prstGeom>
-          <a:noFill/>
-        </p:spPr>
-        <p:txBody>
-          <a:bodyPr wrap="square" rtlCol="0">
-            <a:spAutoFit/>
-          </a:bodyPr>
-          <a:lstStyle/>
-          <a:p>
-            <a:pPr defTabSz="914309">
-              <a:lnSpc>
-                <a:spcPct val="130000"/>
-              </a:lnSpc>
-            </a:pPr>
-            <a:r>
-              <a:rPr lang="zh-CN" altLang="en-US" sz="1333" kern="0" dirty="0">
-                <a:solidFill>
-                  <a:schemeClr val="bg1"/>
-                </a:solidFill>
-                <a:cs typeface="+mn-ea"/>
-                <a:sym typeface="+mn-lt"/>
-              </a:rPr>
-              <a:t>服务器以及服务器软件定时重启，防止服务器冗机</a:t>
-            </a:r>
-            <a:endParaRPr lang="zh-CN" altLang="zh-CN" sz="1333" kern="0" dirty="0">
-              <a:solidFill>
-                <a:schemeClr val="bg1"/>
-              </a:solidFill>
-              <a:cs typeface="+mn-ea"/>
-              <a:sym typeface="+mn-lt"/>
-            </a:endParaRPr>
-          </a:p>
-        </p:txBody>
-      </p:sp>
-      <p:sp>
-        <p:nvSpPr>
-          <p:cNvPr id="71" name="文本框 70"/>
-          <p:cNvSpPr txBox="1"/>
-          <p:nvPr/>
-        </p:nvSpPr>
-        <p:spPr>
-          <a:xfrm>
-            <a:off x="8608346" y="3261098"/>
-            <a:ext cx="1210588" cy="338554"/>
-          </a:xfrm>
-          <a:prstGeom prst="rect">
-            <a:avLst/>
-          </a:prstGeom>
-          <a:noFill/>
-        </p:spPr>
-        <p:txBody>
-          <a:bodyPr wrap="none" rtlCol="0">
-            <a:spAutoFit/>
-          </a:bodyPr>
-          <a:lstStyle/>
-          <a:p>
-            <a:pPr algn="ctr" defTabSz="914309"/>
-            <a:r>
-              <a:rPr kumimoji="1" lang="zh-CN" altLang="en-US" sz="1600" b="1" kern="0" dirty="0">
-                <a:solidFill>
-                  <a:schemeClr val="accent4"/>
-                </a:solidFill>
-                <a:cs typeface="+mn-ea"/>
-                <a:sym typeface="+mn-lt"/>
-              </a:rPr>
-              <a:t>服务器系统</a:t>
-            </a:r>
-          </a:p>
-        </p:txBody>
-      </p:sp>
-      <p:sp>
-        <p:nvSpPr>
-          <p:cNvPr id="72" name="文本框 71"/>
-          <p:cNvSpPr txBox="1"/>
-          <p:nvPr/>
-        </p:nvSpPr>
-        <p:spPr>
-          <a:xfrm>
-            <a:off x="8519599" y="3587312"/>
-            <a:ext cx="2472885" cy="599203"/>
-          </a:xfrm>
-          <a:prstGeom prst="rect">
-            <a:avLst/>
-          </a:prstGeom>
-          <a:noFill/>
-        </p:spPr>
-        <p:txBody>
-          <a:bodyPr wrap="square" rtlCol="0">
-            <a:spAutoFit/>
-          </a:bodyPr>
-          <a:lstStyle/>
-          <a:p>
-            <a:pPr defTabSz="914309">
-              <a:lnSpc>
-                <a:spcPct val="130000"/>
-              </a:lnSpc>
-            </a:pPr>
-            <a:r>
-              <a:rPr lang="zh-CN" altLang="en-US" sz="1333" kern="0" dirty="0">
-                <a:solidFill>
-                  <a:schemeClr val="bg1"/>
-                </a:solidFill>
-                <a:cs typeface="+mn-ea"/>
-                <a:sym typeface="+mn-lt"/>
-              </a:rPr>
-              <a:t>采用轻量级</a:t>
-            </a:r>
-            <a:r>
-              <a:rPr lang="en-US" altLang="zh-CN" sz="1333" kern="0" dirty="0" err="1">
-                <a:solidFill>
-                  <a:schemeClr val="bg1"/>
-                </a:solidFill>
-                <a:cs typeface="+mn-ea"/>
-                <a:sym typeface="+mn-lt"/>
-              </a:rPr>
-              <a:t>debian</a:t>
-            </a:r>
-            <a:r>
-              <a:rPr lang="zh-CN" altLang="en-US" sz="1333" kern="0" dirty="0">
-                <a:solidFill>
-                  <a:schemeClr val="bg1"/>
-                </a:solidFill>
-                <a:cs typeface="+mn-ea"/>
-                <a:sym typeface="+mn-lt"/>
-              </a:rPr>
-              <a:t>系统，手动安装需求软件</a:t>
-            </a:r>
-            <a:endParaRPr kumimoji="1" lang="zh-CN" altLang="en-US" sz="1067" kern="0" dirty="0">
-              <a:solidFill>
-                <a:schemeClr val="bg1"/>
-              </a:solidFill>
-              <a:cs typeface="+mn-ea"/>
-              <a:sym typeface="+mn-lt"/>
-            </a:endParaRPr>
-          </a:p>
-        </p:txBody>
-      </p:sp>
-      <p:sp>
-        <p:nvSpPr>
-          <p:cNvPr id="73" name="文本框 72"/>
-          <p:cNvSpPr txBox="1"/>
-          <p:nvPr/>
-        </p:nvSpPr>
-        <p:spPr>
-          <a:xfrm>
-            <a:off x="8200331" y="4601110"/>
-            <a:ext cx="1415772" cy="338554"/>
-          </a:xfrm>
-          <a:prstGeom prst="rect">
-            <a:avLst/>
-          </a:prstGeom>
-          <a:noFill/>
-        </p:spPr>
-        <p:txBody>
-          <a:bodyPr wrap="none" rtlCol="0">
-            <a:spAutoFit/>
-          </a:bodyPr>
-          <a:lstStyle/>
-          <a:p>
-            <a:pPr algn="ctr" defTabSz="914309"/>
-            <a:r>
-              <a:rPr kumimoji="1" lang="zh-CN" altLang="en-US" sz="1600" b="1" kern="0" dirty="0">
-                <a:solidFill>
-                  <a:schemeClr val="accent1"/>
-                </a:solidFill>
-                <a:cs typeface="+mn-ea"/>
-                <a:sym typeface="+mn-lt"/>
-              </a:rPr>
-              <a:t>安全密钥登陆</a:t>
-            </a:r>
-          </a:p>
-        </p:txBody>
-      </p:sp>
-      <p:sp>
-        <p:nvSpPr>
-          <p:cNvPr id="74" name="文本框 73"/>
-          <p:cNvSpPr txBox="1"/>
-          <p:nvPr/>
-        </p:nvSpPr>
-        <p:spPr>
-          <a:xfrm>
-            <a:off x="7740269" y="4927325"/>
-            <a:ext cx="2632536" cy="599203"/>
-          </a:xfrm>
-          <a:prstGeom prst="rect">
-            <a:avLst/>
-          </a:prstGeom>
-          <a:noFill/>
-        </p:spPr>
-        <p:txBody>
-          <a:bodyPr wrap="square" rtlCol="0">
-            <a:spAutoFit/>
-          </a:bodyPr>
-          <a:lstStyle/>
-          <a:p>
-            <a:pPr defTabSz="914309">
-              <a:lnSpc>
-                <a:spcPct val="130000"/>
-              </a:lnSpc>
-            </a:pPr>
-            <a:r>
-              <a:rPr lang="zh-CN" altLang="en-US" sz="1333" kern="0" dirty="0">
-                <a:solidFill>
-                  <a:schemeClr val="bg1"/>
-                </a:solidFill>
-                <a:cs typeface="+mn-ea"/>
-                <a:sym typeface="+mn-lt"/>
-              </a:rPr>
-              <a:t>关闭传统密码登陆服务器，开启</a:t>
-            </a:r>
-            <a:r>
-              <a:rPr lang="en-US" altLang="zh-CN" sz="1333" kern="0" dirty="0">
-                <a:solidFill>
-                  <a:schemeClr val="bg1"/>
-                </a:solidFill>
-                <a:cs typeface="+mn-ea"/>
-                <a:sym typeface="+mn-lt"/>
-              </a:rPr>
-              <a:t>SSH</a:t>
-            </a:r>
-            <a:r>
-              <a:rPr lang="zh-CN" altLang="en-US" sz="1333" kern="0" dirty="0">
-                <a:solidFill>
-                  <a:schemeClr val="bg1"/>
-                </a:solidFill>
-                <a:cs typeface="+mn-ea"/>
-                <a:sym typeface="+mn-lt"/>
-              </a:rPr>
-              <a:t>安全密钥登陆服务器</a:t>
-            </a:r>
-          </a:p>
-        </p:txBody>
-      </p:sp>
-      <p:sp>
-        <p:nvSpPr>
-          <p:cNvPr id="75" name="文本框 74"/>
-          <p:cNvSpPr txBox="1"/>
-          <p:nvPr/>
-        </p:nvSpPr>
-        <p:spPr>
-          <a:xfrm flipH="1">
-            <a:off x="2484651" y="1891091"/>
-            <a:ext cx="2031325" cy="338554"/>
-          </a:xfrm>
-          <a:prstGeom prst="rect">
-            <a:avLst/>
-          </a:prstGeom>
-          <a:noFill/>
-        </p:spPr>
-        <p:txBody>
-          <a:bodyPr wrap="none" rtlCol="0">
-            <a:spAutoFit/>
-          </a:bodyPr>
-          <a:lstStyle/>
-          <a:p>
-            <a:pPr algn="ctr" defTabSz="914309"/>
-            <a:r>
-              <a:rPr kumimoji="1" lang="zh-CN" altLang="en-US" sz="1600" b="1" kern="0" dirty="0">
-                <a:solidFill>
-                  <a:schemeClr val="accent1"/>
-                </a:solidFill>
-                <a:cs typeface="+mn-ea"/>
-                <a:sym typeface="+mn-lt"/>
-              </a:rPr>
-              <a:t>腾讯云高性能服务器</a:t>
-            </a:r>
-          </a:p>
-        </p:txBody>
-      </p:sp>
-      <p:sp>
-        <p:nvSpPr>
-          <p:cNvPr id="76" name="文本框 75"/>
-          <p:cNvSpPr txBox="1"/>
-          <p:nvPr/>
-        </p:nvSpPr>
-        <p:spPr>
-          <a:xfrm flipH="1">
-            <a:off x="1953407" y="2217305"/>
-            <a:ext cx="2572533" cy="625684"/>
-          </a:xfrm>
-          <a:prstGeom prst="rect">
-            <a:avLst/>
-          </a:prstGeom>
-          <a:noFill/>
-        </p:spPr>
-        <p:txBody>
-          <a:bodyPr wrap="square" rtlCol="0">
-            <a:spAutoFit/>
-          </a:bodyPr>
-          <a:lstStyle/>
-          <a:p>
-            <a:pPr defTabSz="914309">
-              <a:lnSpc>
-                <a:spcPct val="130000"/>
-              </a:lnSpc>
-            </a:pPr>
-            <a:r>
-              <a:rPr lang="zh-CN" altLang="en-US" sz="1333" kern="0" dirty="0">
-                <a:solidFill>
-                  <a:schemeClr val="bg1"/>
-                </a:solidFill>
-                <a:cs typeface="+mn-ea"/>
-                <a:sym typeface="+mn-lt"/>
-              </a:rPr>
-              <a:t>采用腾讯云</a:t>
-            </a:r>
-            <a:r>
-              <a:rPr lang="en-US" altLang="zh-CN" sz="1333" kern="0" dirty="0">
-                <a:solidFill>
-                  <a:schemeClr val="bg1"/>
-                </a:solidFill>
-                <a:cs typeface="+mn-ea"/>
-                <a:sym typeface="+mn-lt"/>
-              </a:rPr>
-              <a:t>1G1H</a:t>
-            </a:r>
-            <a:r>
-              <a:rPr lang="zh-CN" altLang="en-US" sz="1333" kern="0" dirty="0">
-                <a:solidFill>
-                  <a:schemeClr val="bg1"/>
-                </a:solidFill>
-                <a:cs typeface="+mn-ea"/>
-                <a:sym typeface="+mn-lt"/>
-              </a:rPr>
-              <a:t>高性能服务器，满足高并发时的业务需求</a:t>
-            </a:r>
-            <a:endParaRPr lang="zh-CN" altLang="zh-CN" sz="1333" kern="0" dirty="0">
-              <a:solidFill>
-                <a:schemeClr val="bg1"/>
-              </a:solidFill>
-              <a:cs typeface="+mn-ea"/>
-              <a:sym typeface="+mn-lt"/>
-            </a:endParaRPr>
-          </a:p>
-        </p:txBody>
-      </p:sp>
-      <p:sp>
-        <p:nvSpPr>
-          <p:cNvPr id="77" name="文本框 76"/>
-          <p:cNvSpPr txBox="1"/>
-          <p:nvPr/>
-        </p:nvSpPr>
-        <p:spPr>
-          <a:xfrm flipH="1">
-            <a:off x="2486433" y="3261098"/>
-            <a:ext cx="1005403" cy="338554"/>
-          </a:xfrm>
-          <a:prstGeom prst="rect">
-            <a:avLst/>
-          </a:prstGeom>
-          <a:noFill/>
-        </p:spPr>
-        <p:txBody>
-          <a:bodyPr wrap="none" rtlCol="0">
-            <a:spAutoFit/>
-          </a:bodyPr>
-          <a:lstStyle/>
-          <a:p>
-            <a:pPr algn="ctr" defTabSz="914309"/>
-            <a:r>
-              <a:rPr kumimoji="1" lang="zh-CN" altLang="en-US" sz="1600" b="1" kern="0" dirty="0">
-                <a:solidFill>
-                  <a:schemeClr val="accent4"/>
-                </a:solidFill>
-                <a:cs typeface="+mn-ea"/>
-                <a:sym typeface="+mn-lt"/>
-              </a:rPr>
-              <a:t>域名解析</a:t>
-            </a:r>
-          </a:p>
-        </p:txBody>
-      </p:sp>
-      <p:sp>
-        <p:nvSpPr>
-          <p:cNvPr id="78" name="文本框 77"/>
-          <p:cNvSpPr txBox="1"/>
-          <p:nvPr/>
-        </p:nvSpPr>
-        <p:spPr>
-          <a:xfrm flipH="1">
-            <a:off x="1311762" y="3587312"/>
-            <a:ext cx="2600121" cy="599203"/>
-          </a:xfrm>
-          <a:prstGeom prst="rect">
-            <a:avLst/>
-          </a:prstGeom>
-          <a:noFill/>
-        </p:spPr>
-        <p:txBody>
-          <a:bodyPr wrap="square" rtlCol="0">
-            <a:spAutoFit/>
-          </a:bodyPr>
-          <a:lstStyle/>
-          <a:p>
-            <a:pPr defTabSz="914309">
-              <a:lnSpc>
-                <a:spcPct val="130000"/>
-              </a:lnSpc>
-            </a:pPr>
-            <a:r>
-              <a:rPr lang="zh-CN" altLang="en-US" sz="1333" kern="0" dirty="0">
-                <a:solidFill>
-                  <a:schemeClr val="bg1"/>
-                </a:solidFill>
-                <a:cs typeface="+mn-ea"/>
-                <a:sym typeface="+mn-lt"/>
-              </a:rPr>
-              <a:t>申请域名并配置服务器，能通过域名访问网站</a:t>
-            </a:r>
-            <a:endParaRPr kumimoji="1" lang="zh-CN" altLang="en-US" sz="1067" kern="0" dirty="0">
-              <a:solidFill>
-                <a:schemeClr val="bg1"/>
-              </a:solidFill>
-              <a:cs typeface="+mn-ea"/>
-              <a:sym typeface="+mn-lt"/>
-            </a:endParaRPr>
-          </a:p>
-        </p:txBody>
-      </p:sp>
-      <p:sp>
-        <p:nvSpPr>
-          <p:cNvPr id="79" name="文本框 78"/>
-          <p:cNvSpPr txBox="1"/>
-          <p:nvPr/>
-        </p:nvSpPr>
-        <p:spPr>
-          <a:xfrm flipH="1">
-            <a:off x="2708447" y="4601110"/>
-            <a:ext cx="1210588" cy="338554"/>
-          </a:xfrm>
-          <a:prstGeom prst="rect">
-            <a:avLst/>
-          </a:prstGeom>
-          <a:noFill/>
-        </p:spPr>
-        <p:txBody>
-          <a:bodyPr wrap="none" rtlCol="0">
-            <a:spAutoFit/>
-          </a:bodyPr>
-          <a:lstStyle/>
-          <a:p>
-            <a:pPr algn="ctr" defTabSz="914309"/>
-            <a:r>
-              <a:rPr kumimoji="1" lang="zh-CN" altLang="en-US" sz="1600" b="1" kern="0" dirty="0">
-                <a:solidFill>
-                  <a:schemeClr val="accent2"/>
-                </a:solidFill>
-                <a:cs typeface="+mn-ea"/>
-                <a:sym typeface="+mn-lt"/>
-              </a:rPr>
-              <a:t>防火墙配置</a:t>
-            </a:r>
-          </a:p>
-        </p:txBody>
-      </p:sp>
-      <p:sp>
-        <p:nvSpPr>
-          <p:cNvPr id="80" name="文本框 79"/>
-          <p:cNvSpPr txBox="1"/>
-          <p:nvPr/>
-        </p:nvSpPr>
-        <p:spPr>
-          <a:xfrm flipH="1">
-            <a:off x="2091093" y="4927325"/>
-            <a:ext cx="2445293" cy="625684"/>
-          </a:xfrm>
-          <a:prstGeom prst="rect">
-            <a:avLst/>
-          </a:prstGeom>
-          <a:noFill/>
-        </p:spPr>
-        <p:txBody>
-          <a:bodyPr wrap="square" rtlCol="0">
-            <a:spAutoFit/>
-          </a:bodyPr>
-          <a:lstStyle/>
-          <a:p>
-            <a:pPr defTabSz="914309">
-              <a:lnSpc>
-                <a:spcPct val="130000"/>
-              </a:lnSpc>
-            </a:pPr>
-            <a:r>
-              <a:rPr lang="zh-CN" altLang="en-US" sz="1333" kern="0" dirty="0">
-                <a:solidFill>
-                  <a:schemeClr val="bg1"/>
-                </a:solidFill>
-                <a:cs typeface="+mn-ea"/>
-                <a:sym typeface="+mn-lt"/>
-              </a:rPr>
-              <a:t>配置服务器端</a:t>
-            </a:r>
-            <a:r>
-              <a:rPr lang="en-US" altLang="zh-CN" sz="1333" kern="0" dirty="0" err="1">
-                <a:solidFill>
-                  <a:schemeClr val="bg1"/>
-                </a:solidFill>
-                <a:cs typeface="+mn-ea"/>
-                <a:sym typeface="+mn-lt"/>
-              </a:rPr>
-              <a:t>iptables</a:t>
-            </a:r>
-            <a:r>
-              <a:rPr lang="zh-CN" altLang="en-US" sz="1333" kern="0" dirty="0">
-                <a:solidFill>
-                  <a:schemeClr val="bg1"/>
-                </a:solidFill>
-                <a:cs typeface="+mn-ea"/>
-                <a:sym typeface="+mn-lt"/>
-              </a:rPr>
-              <a:t>，仅放通所需端口</a:t>
-            </a:r>
-            <a:endParaRPr kumimoji="1" lang="zh-CN" altLang="en-US" sz="1067" kern="0" dirty="0">
-              <a:solidFill>
-                <a:schemeClr val="bg1"/>
-              </a:solidFill>
-              <a:cs typeface="+mn-ea"/>
-              <a:sym typeface="+mn-lt"/>
-            </a:endParaRPr>
-          </a:p>
-        </p:txBody>
-      </p:sp>
-      <p:sp>
-        <p:nvSpPr>
-          <p:cNvPr id="81" name="文本框 80"/>
-          <p:cNvSpPr txBox="1"/>
-          <p:nvPr/>
-        </p:nvSpPr>
-        <p:spPr>
-          <a:xfrm flipH="1">
-            <a:off x="5597311" y="3716693"/>
-            <a:ext cx="997389" cy="338554"/>
-          </a:xfrm>
-          <a:prstGeom prst="rect">
-            <a:avLst/>
-          </a:prstGeom>
-          <a:noFill/>
-        </p:spPr>
-        <p:txBody>
-          <a:bodyPr wrap="none" rtlCol="0">
-            <a:spAutoFit/>
-          </a:bodyPr>
-          <a:lstStyle/>
-          <a:p>
-            <a:pPr algn="ctr" defTabSz="914309"/>
-            <a:r>
-              <a:rPr kumimoji="1" lang="zh-CN" altLang="en-US" sz="1600" b="1" kern="0" dirty="0">
-                <a:solidFill>
-                  <a:schemeClr val="accent1"/>
-                </a:solidFill>
-                <a:cs typeface="+mn-ea"/>
-                <a:sym typeface="+mn-lt"/>
-              </a:rPr>
-              <a:t>项目集合</a:t>
-            </a:r>
-          </a:p>
-        </p:txBody>
-      </p:sp>
-    </p:spTree>
-    <p:extLst>
-      <p:ext uri="{BB962C8B-B14F-4D97-AF65-F5344CB8AC3E}">
-        <p14:creationId xmlns:p14="http://schemas.microsoft.com/office/powerpoint/2010/main" val="512175308"/>
-      </p:ext>
-    </p:extLst>
-  </p:cSld>
-  <p:clrMapOvr>
-    <a:masterClrMapping/>
-  </p:clrMapOvr>
-  <mc:AlternateContent xmlns:mc="http://schemas.openxmlformats.org/markup-compatibility/2006" xmlns:p14="http://schemas.microsoft.com/office/powerpoint/2010/main">
-    <mc:Choice Requires="p14">
-      <p:transition spd="med" p14:dur="700">
-        <p:fade/>
-      </p:transition>
-    </mc:Choice>
-    <mc:Fallback xmlns="">
-      <p:transition spd="med">
-        <p:fade/>
-      </p:transition>
-    </mc:Fallback>
-  </mc:AlternateContent>
-</p:sld>
-</file>
-
-<file path=ppt/slides/slide11.xml><?xml version="1.0" encoding="utf-8"?>
-<p:sld xmlns:a="http://schemas.openxmlformats.org/drawingml/2006/main" xmlns:r="http://schemas.openxmlformats.org/officeDocument/2006/relationships" xmlns:p="http://schemas.openxmlformats.org/presentationml/2006/main">
-  <p:cSld>
-    <p:spTree>
-      <p:nvGrpSpPr>
-        <p:cNvPr id="1" name=""/>
-        <p:cNvGrpSpPr/>
-        <p:nvPr/>
-      </p:nvGrpSpPr>
-      <p:grpSpPr>
-        <a:xfrm>
-          <a:off x="0" y="0"/>
-          <a:ext cx="0" cy="0"/>
-          <a:chOff x="0" y="0"/>
-          <a:chExt cx="0" cy="0"/>
-        </a:xfrm>
-      </p:grpSpPr>
-      <p:sp>
-        <p:nvSpPr>
-          <p:cNvPr id="2" name="文本占位符 1"/>
-          <p:cNvSpPr>
-            <a:spLocks noGrp="1"/>
-          </p:cNvSpPr>
-          <p:nvPr>
             <p:ph type="body" sz="quarter" idx="10"/>
           </p:nvPr>
         </p:nvSpPr>
@@ -4976,497 +3842,7 @@
 </p:sld>
 </file>
 
-<file path=ppt/slides/slide2.xml><?xml version="1.0" encoding="utf-8"?>
-<p:sld xmlns:a="http://schemas.openxmlformats.org/drawingml/2006/main" xmlns:r="http://schemas.openxmlformats.org/officeDocument/2006/relationships" xmlns:p="http://schemas.openxmlformats.org/presentationml/2006/main">
-  <p:cSld>
-    <p:spTree>
-      <p:nvGrpSpPr>
-        <p:cNvPr id="1" name=""/>
-        <p:cNvGrpSpPr/>
-        <p:nvPr/>
-      </p:nvGrpSpPr>
-      <p:grpSpPr>
-        <a:xfrm>
-          <a:off x="0" y="0"/>
-          <a:ext cx="0" cy="0"/>
-          <a:chOff x="0" y="0"/>
-          <a:chExt cx="0" cy="0"/>
-        </a:xfrm>
-      </p:grpSpPr>
-      <p:sp>
-        <p:nvSpPr>
-          <p:cNvPr id="5" name="文本占位符 4"/>
-          <p:cNvSpPr>
-            <a:spLocks noGrp="1"/>
-          </p:cNvSpPr>
-          <p:nvPr>
-            <p:ph type="body" sz="quarter" idx="11"/>
-          </p:nvPr>
-        </p:nvSpPr>
-        <p:spPr/>
-        <p:txBody>
-          <a:bodyPr/>
-          <a:lstStyle/>
-          <a:p>
-            <a:r>
-              <a:rPr lang="en-US" altLang="zh-CN" dirty="0"/>
-              <a:t>PART ONE</a:t>
-            </a:r>
-            <a:endParaRPr lang="zh-CN" altLang="en-US" dirty="0"/>
-          </a:p>
-        </p:txBody>
-      </p:sp>
-      <p:sp>
-        <p:nvSpPr>
-          <p:cNvPr id="6" name="文本占位符 5"/>
-          <p:cNvSpPr>
-            <a:spLocks noGrp="1"/>
-          </p:cNvSpPr>
-          <p:nvPr>
-            <p:ph type="body" sz="quarter" idx="12"/>
-          </p:nvPr>
-        </p:nvSpPr>
-        <p:spPr>
-          <a:xfrm>
-            <a:off x="4421189" y="3334301"/>
-            <a:ext cx="3268134" cy="757130"/>
-          </a:xfrm>
-        </p:spPr>
-        <p:txBody>
-          <a:bodyPr/>
-          <a:lstStyle/>
-          <a:p>
-            <a:r>
-              <a:rPr lang="zh-CN" altLang="en-US" dirty="0"/>
-              <a:t>项目分析 </a:t>
-            </a:r>
-          </a:p>
-        </p:txBody>
-      </p:sp>
-    </p:spTree>
-    <p:extLst>
-      <p:ext uri="{BB962C8B-B14F-4D97-AF65-F5344CB8AC3E}">
-        <p14:creationId xmlns:p14="http://schemas.microsoft.com/office/powerpoint/2010/main" val="169692808"/>
-      </p:ext>
-    </p:extLst>
-  </p:cSld>
-  <p:clrMapOvr>
-    <a:masterClrMapping/>
-  </p:clrMapOvr>
-  <mc:AlternateContent xmlns:mc="http://schemas.openxmlformats.org/markup-compatibility/2006" xmlns:p14="http://schemas.microsoft.com/office/powerpoint/2010/main">
-    <mc:Choice Requires="p14">
-      <p:transition spd="med" p14:dur="700">
-        <p:fade/>
-      </p:transition>
-    </mc:Choice>
-    <mc:Fallback xmlns="">
-      <p:transition spd="med">
-        <p:fade/>
-      </p:transition>
-    </mc:Fallback>
-  </mc:AlternateContent>
-</p:sld>
-</file>
-
-<file path=ppt/slides/slide3.xml><?xml version="1.0" encoding="utf-8"?>
-<p:sld xmlns:a="http://schemas.openxmlformats.org/drawingml/2006/main" xmlns:r="http://schemas.openxmlformats.org/officeDocument/2006/relationships" xmlns:p="http://schemas.openxmlformats.org/presentationml/2006/main">
-  <p:cSld>
-    <p:spTree>
-      <p:nvGrpSpPr>
-        <p:cNvPr id="1" name=""/>
-        <p:cNvGrpSpPr/>
-        <p:nvPr/>
-      </p:nvGrpSpPr>
-      <p:grpSpPr>
-        <a:xfrm>
-          <a:off x="0" y="0"/>
-          <a:ext cx="0" cy="0"/>
-          <a:chOff x="0" y="0"/>
-          <a:chExt cx="0" cy="0"/>
-        </a:xfrm>
-      </p:grpSpPr>
-      <p:sp>
-        <p:nvSpPr>
-          <p:cNvPr id="2" name="文本占位符 1"/>
-          <p:cNvSpPr>
-            <a:spLocks noGrp="1"/>
-          </p:cNvSpPr>
-          <p:nvPr>
-            <p:ph type="body" sz="quarter" idx="11"/>
-          </p:nvPr>
-        </p:nvSpPr>
-        <p:spPr/>
-        <p:txBody>
-          <a:bodyPr/>
-          <a:lstStyle/>
-          <a:p>
-            <a:r>
-              <a:rPr kumimoji="1" lang="zh-CN" altLang="en-US" b="1" dirty="0">
-                <a:cs typeface="+mn-ea"/>
-                <a:sym typeface="+mn-lt"/>
-              </a:rPr>
-              <a:t>项目分析</a:t>
-            </a:r>
-          </a:p>
-        </p:txBody>
-      </p:sp>
-      <p:sp>
-        <p:nvSpPr>
-          <p:cNvPr id="4" name="文本框 3"/>
-          <p:cNvSpPr txBox="1"/>
-          <p:nvPr/>
-        </p:nvSpPr>
-        <p:spPr>
-          <a:xfrm>
-            <a:off x="451593" y="1734420"/>
-            <a:ext cx="2916183" cy="502766"/>
-          </a:xfrm>
-          <a:prstGeom prst="rect">
-            <a:avLst/>
-          </a:prstGeom>
-          <a:noFill/>
-        </p:spPr>
-        <p:txBody>
-          <a:bodyPr wrap="none" rtlCol="0">
-            <a:spAutoFit/>
-          </a:bodyPr>
-          <a:lstStyle/>
-          <a:p>
-            <a:pPr defTabSz="914309"/>
-            <a:r>
-              <a:rPr kumimoji="1" lang="zh-CN" altLang="en-US" sz="2667" b="1" kern="0" dirty="0">
-                <a:solidFill>
-                  <a:schemeClr val="accent2"/>
-                </a:solidFill>
-                <a:cs typeface="+mn-ea"/>
-                <a:sym typeface="+mn-lt"/>
-              </a:rPr>
-              <a:t>一、功能业务分析</a:t>
-            </a:r>
-          </a:p>
-        </p:txBody>
-      </p:sp>
-      <p:cxnSp>
-        <p:nvCxnSpPr>
-          <p:cNvPr id="5" name="直线连接符 4"/>
-          <p:cNvCxnSpPr/>
-          <p:nvPr/>
-        </p:nvCxnSpPr>
-        <p:spPr>
-          <a:xfrm>
-            <a:off x="451593" y="2319050"/>
-            <a:ext cx="5898687" cy="0"/>
-          </a:xfrm>
-          <a:prstGeom prst="line">
-            <a:avLst/>
-          </a:prstGeom>
-          <a:ln w="3175" cmpd="sng">
-            <a:solidFill>
-              <a:schemeClr val="bg1">
-                <a:lumMod val="65000"/>
-              </a:schemeClr>
-            </a:solidFill>
-            <a:prstDash val="solid"/>
-          </a:ln>
-          <a:effectLst/>
-        </p:spPr>
-        <p:style>
-          <a:lnRef idx="2">
-            <a:schemeClr val="accent1"/>
-          </a:lnRef>
-          <a:fillRef idx="0">
-            <a:schemeClr val="accent1"/>
-          </a:fillRef>
-          <a:effectRef idx="1">
-            <a:schemeClr val="accent1"/>
-          </a:effectRef>
-          <a:fontRef idx="minor">
-            <a:schemeClr val="tx1"/>
-          </a:fontRef>
-        </p:style>
-      </p:cxnSp>
-      <p:sp>
-        <p:nvSpPr>
-          <p:cNvPr id="7" name="文本框 6"/>
-          <p:cNvSpPr txBox="1"/>
-          <p:nvPr/>
-        </p:nvSpPr>
-        <p:spPr>
-          <a:xfrm>
-            <a:off x="837943" y="2564060"/>
-            <a:ext cx="5665509" cy="3693319"/>
-          </a:xfrm>
-          <a:prstGeom prst="rect">
-            <a:avLst/>
-          </a:prstGeom>
-          <a:noFill/>
-        </p:spPr>
-        <p:txBody>
-          <a:bodyPr wrap="square" rtlCol="0">
-            <a:spAutoFit/>
-          </a:bodyPr>
-          <a:lstStyle/>
-          <a:p>
-            <a:pPr defTabSz="914309">
-              <a:lnSpc>
-                <a:spcPct val="130000"/>
-              </a:lnSpc>
-            </a:pPr>
-            <a:r>
-              <a:rPr lang="zh-CN" altLang="en-US" kern="0" dirty="0">
-                <a:solidFill>
-                  <a:schemeClr val="bg1"/>
-                </a:solidFill>
-                <a:cs typeface="+mn-ea"/>
-                <a:sym typeface="+mn-lt"/>
-              </a:rPr>
-              <a:t>①学生向两位校长留言</a:t>
-            </a:r>
-          </a:p>
-          <a:p>
-            <a:pPr defTabSz="914309">
-              <a:lnSpc>
-                <a:spcPct val="130000"/>
-              </a:lnSpc>
-            </a:pPr>
-            <a:r>
-              <a:rPr lang="zh-CN" altLang="en-US" kern="0" dirty="0">
-                <a:solidFill>
-                  <a:schemeClr val="bg1"/>
-                </a:solidFill>
-                <a:cs typeface="+mn-ea"/>
-                <a:sym typeface="+mn-lt"/>
-              </a:rPr>
-              <a:t>②学生向普通校长留言</a:t>
-            </a:r>
-          </a:p>
-          <a:p>
-            <a:pPr defTabSz="914309">
-              <a:lnSpc>
-                <a:spcPct val="130000"/>
-              </a:lnSpc>
-            </a:pPr>
-            <a:r>
-              <a:rPr lang="zh-CN" altLang="en-US" kern="0" dirty="0">
-                <a:solidFill>
-                  <a:schemeClr val="bg1"/>
-                </a:solidFill>
-                <a:cs typeface="+mn-ea"/>
-                <a:sym typeface="+mn-lt"/>
-              </a:rPr>
-              <a:t>③学生向指定部门留言</a:t>
-            </a:r>
-          </a:p>
-          <a:p>
-            <a:pPr defTabSz="914309">
-              <a:lnSpc>
-                <a:spcPct val="130000"/>
-              </a:lnSpc>
-            </a:pPr>
-            <a:r>
-              <a:rPr lang="zh-CN" altLang="en-US" kern="0" dirty="0">
-                <a:solidFill>
-                  <a:schemeClr val="bg1"/>
-                </a:solidFill>
-                <a:cs typeface="+mn-ea"/>
-                <a:sym typeface="+mn-lt"/>
-              </a:rPr>
-              <a:t>④学生向指定学院留言</a:t>
-            </a:r>
-          </a:p>
-          <a:p>
-            <a:pPr defTabSz="914309">
-              <a:lnSpc>
-                <a:spcPct val="130000"/>
-              </a:lnSpc>
-            </a:pPr>
-            <a:r>
-              <a:rPr lang="zh-CN" altLang="en-US" kern="0" dirty="0">
-                <a:solidFill>
-                  <a:schemeClr val="bg1"/>
-                </a:solidFill>
-                <a:cs typeface="+mn-ea"/>
-                <a:sym typeface="+mn-lt"/>
-              </a:rPr>
-              <a:t>⑤可以选择不同留言类型</a:t>
-            </a:r>
-          </a:p>
-          <a:p>
-            <a:pPr defTabSz="914309">
-              <a:lnSpc>
-                <a:spcPct val="130000"/>
-              </a:lnSpc>
-            </a:pPr>
-            <a:r>
-              <a:rPr lang="zh-CN" altLang="en-US" kern="0" dirty="0">
-                <a:solidFill>
-                  <a:schemeClr val="bg1"/>
-                </a:solidFill>
-                <a:cs typeface="+mn-ea"/>
-                <a:sym typeface="+mn-lt"/>
-              </a:rPr>
-              <a:t>⑥是否匿名</a:t>
-            </a:r>
-          </a:p>
-          <a:p>
-            <a:pPr defTabSz="914309">
-              <a:lnSpc>
-                <a:spcPct val="130000"/>
-              </a:lnSpc>
-            </a:pPr>
-            <a:r>
-              <a:rPr lang="zh-CN" altLang="en-US" kern="0" dirty="0">
-                <a:solidFill>
-                  <a:schemeClr val="bg1"/>
-                </a:solidFill>
-                <a:cs typeface="+mn-ea"/>
-                <a:sym typeface="+mn-lt"/>
-              </a:rPr>
-              <a:t>⑦验证码</a:t>
-            </a:r>
-          </a:p>
-          <a:p>
-            <a:pPr defTabSz="914309">
-              <a:lnSpc>
-                <a:spcPct val="130000"/>
-              </a:lnSpc>
-            </a:pPr>
-            <a:r>
-              <a:rPr lang="zh-CN" altLang="en-US" kern="0" dirty="0">
-                <a:solidFill>
-                  <a:schemeClr val="bg1"/>
-                </a:solidFill>
-                <a:cs typeface="+mn-ea"/>
-                <a:sym typeface="+mn-lt"/>
-              </a:rPr>
-              <a:t>⑧留言包括标题、内容</a:t>
-            </a:r>
-          </a:p>
-          <a:p>
-            <a:pPr defTabSz="914309">
-              <a:lnSpc>
-                <a:spcPct val="130000"/>
-              </a:lnSpc>
-            </a:pPr>
-            <a:r>
-              <a:rPr lang="zh-CN" altLang="en-US" kern="0" dirty="0">
-                <a:solidFill>
-                  <a:schemeClr val="bg1"/>
-                </a:solidFill>
-                <a:cs typeface="+mn-ea"/>
-                <a:sym typeface="+mn-lt"/>
-              </a:rPr>
-              <a:t>⑨学生可以查询留言（已回复留言）</a:t>
-            </a:r>
-          </a:p>
-          <a:p>
-            <a:pPr defTabSz="914309">
-              <a:lnSpc>
-                <a:spcPct val="130000"/>
-              </a:lnSpc>
-            </a:pPr>
-            <a:r>
-              <a:rPr lang="zh-CN" altLang="en-US" kern="0" dirty="0">
-                <a:solidFill>
-                  <a:schemeClr val="bg1"/>
-                </a:solidFill>
-                <a:cs typeface="+mn-ea"/>
-                <a:sym typeface="+mn-lt"/>
-              </a:rPr>
-              <a:t>⑩每个留言成功，生成编号，学生可以记住编号查询</a:t>
-            </a:r>
-            <a:endParaRPr lang="zh-CN" altLang="zh-CN" kern="0" dirty="0">
-              <a:solidFill>
-                <a:schemeClr val="bg1"/>
-              </a:solidFill>
-              <a:cs typeface="+mn-ea"/>
-              <a:sym typeface="+mn-lt"/>
-            </a:endParaRPr>
-          </a:p>
-        </p:txBody>
-      </p:sp>
-      <p:pic>
-        <p:nvPicPr>
-          <p:cNvPr id="10" name="Picture 2"/>
-          <p:cNvPicPr>
-            <a:picLocks noChangeAspect="1" noChangeArrowheads="1"/>
-          </p:cNvPicPr>
-          <p:nvPr/>
-        </p:nvPicPr>
-        <p:blipFill>
-          <a:blip r:embed="rId2"/>
-          <a:stretch>
-            <a:fillRect/>
-          </a:stretch>
-        </p:blipFill>
-        <p:spPr bwMode="auto">
-          <a:xfrm>
-            <a:off x="6842817" y="1838196"/>
-            <a:ext cx="5062887" cy="3293209"/>
-          </a:xfrm>
-          <a:prstGeom prst="rect">
-            <a:avLst/>
-          </a:prstGeom>
-          <a:noFill/>
-          <a:extLst>
-            <a:ext uri="{909E8E84-426E-40DD-AFC4-6F175D3DCCD1}">
-              <a14:hiddenFill xmlns:a14="http://schemas.microsoft.com/office/drawing/2010/main">
-                <a:solidFill>
-                  <a:srgbClr val="FFFFFF"/>
-                </a:solidFill>
-              </a14:hiddenFill>
-            </a:ext>
-          </a:extLst>
-        </p:spPr>
-      </p:pic>
-      <p:sp>
-        <p:nvSpPr>
-          <p:cNvPr id="12" name="文本占位符 11"/>
-          <p:cNvSpPr>
-            <a:spLocks noGrp="1"/>
-          </p:cNvSpPr>
-          <p:nvPr>
-            <p:ph type="body" sz="quarter" idx="12"/>
-          </p:nvPr>
-        </p:nvSpPr>
-        <p:spPr/>
-        <p:txBody>
-          <a:bodyPr/>
-          <a:lstStyle/>
-          <a:p>
-            <a:r>
-              <a:rPr lang="zh-CN" altLang="en-US" dirty="0"/>
-              <a:t>前提准备</a:t>
-            </a:r>
-          </a:p>
-        </p:txBody>
-      </p:sp>
-    </p:spTree>
-    <p:extLst>
-      <p:ext uri="{BB962C8B-B14F-4D97-AF65-F5344CB8AC3E}">
-        <p14:creationId xmlns:p14="http://schemas.microsoft.com/office/powerpoint/2010/main" val="3094101438"/>
-      </p:ext>
-    </p:extLst>
-  </p:cSld>
-  <p:clrMapOvr>
-    <a:masterClrMapping/>
-  </p:clrMapOvr>
-  <mc:AlternateContent xmlns:mc="http://schemas.openxmlformats.org/markup-compatibility/2006" xmlns:p14="http://schemas.microsoft.com/office/powerpoint/2010/main">
-    <mc:Choice Requires="p14">
-      <p:transition spd="med" p14:dur="700">
-        <p:fade/>
-      </p:transition>
-    </mc:Choice>
-    <mc:Fallback xmlns="">
-      <p:transition spd="med">
-        <p:fade/>
-      </p:transition>
-    </mc:Fallback>
-  </mc:AlternateContent>
-</p:sld>
-</file>
-
-<file path=ppt/slides/slide4.xml><?xml version="1.0" encoding="utf-8"?>
+<file path=ppt/slides/slide11.xml><?xml version="1.0" encoding="utf-8"?>
 <p:sld xmlns:a="http://schemas.openxmlformats.org/drawingml/2006/main" xmlns:r="http://schemas.openxmlformats.org/officeDocument/2006/relationships" xmlns:p="http://schemas.openxmlformats.org/presentationml/2006/main">
   <p:cSld>
     <p:spTree>
@@ -8740,7 +7116,504 @@
 </p:sld>
 </file>
 
-<file path=ppt/slides/slide5.xml><?xml version="1.0" encoding="utf-8"?>
+<file path=ppt/slides/slide2.xml><?xml version="1.0" encoding="utf-8"?>
+<p:sld xmlns:a="http://schemas.openxmlformats.org/drawingml/2006/main" xmlns:r="http://schemas.openxmlformats.org/officeDocument/2006/relationships" xmlns:p="http://schemas.openxmlformats.org/presentationml/2006/main">
+  <p:cSld>
+    <p:spTree>
+      <p:nvGrpSpPr>
+        <p:cNvPr id="1" name=""/>
+        <p:cNvGrpSpPr/>
+        <p:nvPr/>
+      </p:nvGrpSpPr>
+      <p:grpSpPr>
+        <a:xfrm>
+          <a:off x="0" y="0"/>
+          <a:ext cx="0" cy="0"/>
+          <a:chOff x="0" y="0"/>
+          <a:chExt cx="0" cy="0"/>
+        </a:xfrm>
+      </p:grpSpPr>
+      <p:sp>
+        <p:nvSpPr>
+          <p:cNvPr id="5" name="文本占位符 4"/>
+          <p:cNvSpPr>
+            <a:spLocks noGrp="1"/>
+          </p:cNvSpPr>
+          <p:nvPr>
+            <p:ph type="body" sz="quarter" idx="11"/>
+          </p:nvPr>
+        </p:nvSpPr>
+        <p:spPr/>
+        <p:txBody>
+          <a:bodyPr/>
+          <a:lstStyle/>
+          <a:p>
+            <a:r>
+              <a:rPr lang="en-US" altLang="zh-CN" dirty="0"/>
+              <a:t>PART ONE</a:t>
+            </a:r>
+            <a:endParaRPr lang="zh-CN" altLang="en-US" dirty="0"/>
+          </a:p>
+        </p:txBody>
+      </p:sp>
+      <p:sp>
+        <p:nvSpPr>
+          <p:cNvPr id="6" name="文本占位符 5"/>
+          <p:cNvSpPr>
+            <a:spLocks noGrp="1"/>
+          </p:cNvSpPr>
+          <p:nvPr>
+            <p:ph type="body" sz="quarter" idx="12"/>
+          </p:nvPr>
+        </p:nvSpPr>
+        <p:spPr>
+          <a:xfrm>
+            <a:off x="4421189" y="3334301"/>
+            <a:ext cx="3268134" cy="757130"/>
+          </a:xfrm>
+        </p:spPr>
+        <p:txBody>
+          <a:bodyPr/>
+          <a:lstStyle/>
+          <a:p>
+            <a:r>
+              <a:rPr lang="zh-CN" altLang="en-US" dirty="0"/>
+              <a:t>项目分析 </a:t>
+            </a:r>
+          </a:p>
+        </p:txBody>
+      </p:sp>
+    </p:spTree>
+    <p:extLst>
+      <p:ext uri="{BB962C8B-B14F-4D97-AF65-F5344CB8AC3E}">
+        <p14:creationId xmlns:p14="http://schemas.microsoft.com/office/powerpoint/2010/main" val="169692808"/>
+      </p:ext>
+    </p:extLst>
+  </p:cSld>
+  <p:clrMapOvr>
+    <a:masterClrMapping/>
+  </p:clrMapOvr>
+  <mc:AlternateContent xmlns:mc="http://schemas.openxmlformats.org/markup-compatibility/2006" xmlns:p14="http://schemas.microsoft.com/office/powerpoint/2010/main">
+    <mc:Choice Requires="p14">
+      <p:transition spd="med" p14:dur="700">
+        <p:fade/>
+      </p:transition>
+    </mc:Choice>
+    <mc:Fallback xmlns="">
+      <p:transition spd="med">
+        <p:fade/>
+      </p:transition>
+    </mc:Fallback>
+  </mc:AlternateContent>
+</p:sld>
+</file>
+
+<file path=ppt/slides/slide3.xml><?xml version="1.0" encoding="utf-8"?>
+<p:sld xmlns:a="http://schemas.openxmlformats.org/drawingml/2006/main" xmlns:r="http://schemas.openxmlformats.org/officeDocument/2006/relationships" xmlns:p="http://schemas.openxmlformats.org/presentationml/2006/main">
+  <p:cSld>
+    <p:spTree>
+      <p:nvGrpSpPr>
+        <p:cNvPr id="1" name=""/>
+        <p:cNvGrpSpPr/>
+        <p:nvPr/>
+      </p:nvGrpSpPr>
+      <p:grpSpPr>
+        <a:xfrm>
+          <a:off x="0" y="0"/>
+          <a:ext cx="0" cy="0"/>
+          <a:chOff x="0" y="0"/>
+          <a:chExt cx="0" cy="0"/>
+        </a:xfrm>
+      </p:grpSpPr>
+      <p:sp>
+        <p:nvSpPr>
+          <p:cNvPr id="2" name="文本占位符 1"/>
+          <p:cNvSpPr>
+            <a:spLocks noGrp="1"/>
+          </p:cNvSpPr>
+          <p:nvPr>
+            <p:ph type="body" sz="quarter" idx="11"/>
+          </p:nvPr>
+        </p:nvSpPr>
+        <p:spPr/>
+        <p:txBody>
+          <a:bodyPr/>
+          <a:lstStyle/>
+          <a:p>
+            <a:r>
+              <a:rPr kumimoji="1" lang="zh-CN" altLang="en-US" b="1" dirty="0">
+                <a:cs typeface="+mn-ea"/>
+                <a:sym typeface="+mn-lt"/>
+              </a:rPr>
+              <a:t>项目分析</a:t>
+            </a:r>
+          </a:p>
+        </p:txBody>
+      </p:sp>
+      <p:sp>
+        <p:nvSpPr>
+          <p:cNvPr id="4" name="文本框 3"/>
+          <p:cNvSpPr txBox="1"/>
+          <p:nvPr/>
+        </p:nvSpPr>
+        <p:spPr>
+          <a:xfrm>
+            <a:off x="451593" y="1734420"/>
+            <a:ext cx="2916183" cy="502766"/>
+          </a:xfrm>
+          <a:prstGeom prst="rect">
+            <a:avLst/>
+          </a:prstGeom>
+          <a:noFill/>
+        </p:spPr>
+        <p:txBody>
+          <a:bodyPr wrap="none" rtlCol="0">
+            <a:spAutoFit/>
+          </a:bodyPr>
+          <a:lstStyle/>
+          <a:p>
+            <a:pPr defTabSz="914309"/>
+            <a:r>
+              <a:rPr kumimoji="1" lang="zh-CN" altLang="en-US" sz="2667" b="1" kern="0" dirty="0">
+                <a:solidFill>
+                  <a:schemeClr val="accent2"/>
+                </a:solidFill>
+                <a:cs typeface="+mn-ea"/>
+                <a:sym typeface="+mn-lt"/>
+              </a:rPr>
+              <a:t>一、功能业务分析</a:t>
+            </a:r>
+          </a:p>
+        </p:txBody>
+      </p:sp>
+      <p:cxnSp>
+        <p:nvCxnSpPr>
+          <p:cNvPr id="5" name="直线连接符 4"/>
+          <p:cNvCxnSpPr/>
+          <p:nvPr/>
+        </p:nvCxnSpPr>
+        <p:spPr>
+          <a:xfrm>
+            <a:off x="451593" y="2319050"/>
+            <a:ext cx="5898687" cy="0"/>
+          </a:xfrm>
+          <a:prstGeom prst="line">
+            <a:avLst/>
+          </a:prstGeom>
+          <a:ln w="3175" cmpd="sng">
+            <a:solidFill>
+              <a:schemeClr val="bg1">
+                <a:lumMod val="65000"/>
+              </a:schemeClr>
+            </a:solidFill>
+            <a:prstDash val="solid"/>
+          </a:ln>
+          <a:effectLst/>
+        </p:spPr>
+        <p:style>
+          <a:lnRef idx="2">
+            <a:schemeClr val="accent1"/>
+          </a:lnRef>
+          <a:fillRef idx="0">
+            <a:schemeClr val="accent1"/>
+          </a:fillRef>
+          <a:effectRef idx="1">
+            <a:schemeClr val="accent1"/>
+          </a:effectRef>
+          <a:fontRef idx="minor">
+            <a:schemeClr val="tx1"/>
+          </a:fontRef>
+        </p:style>
+      </p:cxnSp>
+      <p:sp>
+        <p:nvSpPr>
+          <p:cNvPr id="7" name="文本框 6"/>
+          <p:cNvSpPr txBox="1"/>
+          <p:nvPr/>
+        </p:nvSpPr>
+        <p:spPr>
+          <a:xfrm>
+            <a:off x="837943" y="2564060"/>
+            <a:ext cx="5665509" cy="3333220"/>
+          </a:xfrm>
+          <a:prstGeom prst="rect">
+            <a:avLst/>
+          </a:prstGeom>
+          <a:noFill/>
+        </p:spPr>
+        <p:txBody>
+          <a:bodyPr wrap="square" rtlCol="0">
+            <a:spAutoFit/>
+          </a:bodyPr>
+          <a:lstStyle/>
+          <a:p>
+            <a:pPr defTabSz="914309">
+              <a:lnSpc>
+                <a:spcPct val="130000"/>
+              </a:lnSpc>
+            </a:pPr>
+            <a:r>
+              <a:rPr lang="zh-CN" altLang="en-US" kern="0" dirty="0">
+                <a:solidFill>
+                  <a:schemeClr val="bg1"/>
+                </a:solidFill>
+                <a:cs typeface="+mn-ea"/>
+                <a:sym typeface="+mn-lt"/>
+              </a:rPr>
+              <a:t>①学生选择留言对象</a:t>
+            </a:r>
+          </a:p>
+          <a:p>
+            <a:pPr defTabSz="914309">
+              <a:lnSpc>
+                <a:spcPct val="130000"/>
+              </a:lnSpc>
+            </a:pPr>
+            <a:r>
+              <a:rPr lang="zh-CN" altLang="en-US" kern="0" dirty="0">
+                <a:solidFill>
+                  <a:schemeClr val="bg1"/>
+                </a:solidFill>
+                <a:cs typeface="+mn-ea"/>
+                <a:sym typeface="+mn-lt"/>
+              </a:rPr>
+              <a:t>②可以选择不同留言类型</a:t>
+            </a:r>
+          </a:p>
+          <a:p>
+            <a:pPr defTabSz="914309">
+              <a:lnSpc>
+                <a:spcPct val="130000"/>
+              </a:lnSpc>
+            </a:pPr>
+            <a:r>
+              <a:rPr lang="zh-CN" altLang="en-US" kern="0" dirty="0">
+                <a:solidFill>
+                  <a:schemeClr val="bg1"/>
+                </a:solidFill>
+                <a:cs typeface="+mn-ea"/>
+                <a:sym typeface="+mn-lt"/>
+              </a:rPr>
+              <a:t>③留言回复</a:t>
+            </a:r>
+          </a:p>
+          <a:p>
+            <a:pPr defTabSz="914309">
+              <a:lnSpc>
+                <a:spcPct val="130000"/>
+              </a:lnSpc>
+            </a:pPr>
+            <a:r>
+              <a:rPr lang="zh-CN" altLang="en-US" kern="0" dirty="0">
+                <a:solidFill>
+                  <a:schemeClr val="bg1"/>
+                </a:solidFill>
+                <a:cs typeface="+mn-ea"/>
+                <a:sym typeface="+mn-lt"/>
+              </a:rPr>
+              <a:t>④验证码</a:t>
+            </a:r>
+          </a:p>
+          <a:p>
+            <a:pPr defTabSz="914309">
+              <a:lnSpc>
+                <a:spcPct val="130000"/>
+              </a:lnSpc>
+            </a:pPr>
+            <a:r>
+              <a:rPr lang="zh-CN" altLang="en-US" kern="0" dirty="0">
+                <a:solidFill>
+                  <a:schemeClr val="bg1"/>
+                </a:solidFill>
+                <a:cs typeface="+mn-ea"/>
+                <a:sym typeface="+mn-lt"/>
+              </a:rPr>
+              <a:t>⑤敏感词</a:t>
+            </a:r>
+          </a:p>
+          <a:p>
+            <a:pPr defTabSz="914309">
+              <a:lnSpc>
+                <a:spcPct val="130000"/>
+              </a:lnSpc>
+            </a:pPr>
+            <a:r>
+              <a:rPr lang="zh-CN" altLang="en-US" kern="0" dirty="0">
+                <a:solidFill>
+                  <a:schemeClr val="bg1"/>
+                </a:solidFill>
+                <a:cs typeface="+mn-ea"/>
+                <a:sym typeface="+mn-lt"/>
+              </a:rPr>
+              <a:t>⑥留言包括标题、内容</a:t>
+            </a:r>
+            <a:endParaRPr lang="en-US" altLang="zh-CN" kern="0" dirty="0">
+              <a:solidFill>
+                <a:schemeClr val="bg1"/>
+              </a:solidFill>
+              <a:cs typeface="+mn-ea"/>
+              <a:sym typeface="+mn-lt"/>
+            </a:endParaRPr>
+          </a:p>
+          <a:p>
+            <a:pPr defTabSz="914309">
+              <a:lnSpc>
+                <a:spcPct val="130000"/>
+              </a:lnSpc>
+            </a:pPr>
+            <a:r>
+              <a:rPr lang="zh-CN" altLang="en-US" kern="0" dirty="0">
+                <a:solidFill>
+                  <a:schemeClr val="bg1"/>
+                </a:solidFill>
+                <a:cs typeface="+mn-ea"/>
+                <a:sym typeface="+mn-lt"/>
+              </a:rPr>
+              <a:t>⑦学生可以查询留言（已回复留言）</a:t>
+            </a:r>
+            <a:endParaRPr lang="en-US" altLang="zh-CN" kern="0" dirty="0">
+              <a:solidFill>
+                <a:schemeClr val="bg1"/>
+              </a:solidFill>
+              <a:cs typeface="+mn-ea"/>
+              <a:sym typeface="+mn-lt"/>
+            </a:endParaRPr>
+          </a:p>
+          <a:p>
+            <a:pPr defTabSz="914309">
+              <a:lnSpc>
+                <a:spcPct val="130000"/>
+              </a:lnSpc>
+            </a:pPr>
+            <a:r>
+              <a:rPr lang="zh-CN" altLang="en-US" kern="0" dirty="0">
+                <a:solidFill>
+                  <a:schemeClr val="bg1"/>
+                </a:solidFill>
+                <a:cs typeface="+mn-ea"/>
+                <a:sym typeface="+mn-lt"/>
+              </a:rPr>
+              <a:t>⑧管理员删除、回复留言</a:t>
+            </a:r>
+          </a:p>
+          <a:p>
+            <a:pPr defTabSz="914309">
+              <a:lnSpc>
+                <a:spcPct val="130000"/>
+              </a:lnSpc>
+            </a:pPr>
+            <a:r>
+              <a:rPr lang="zh-CN" altLang="en-US" kern="0" dirty="0">
+                <a:solidFill>
+                  <a:schemeClr val="bg1"/>
+                </a:solidFill>
+                <a:cs typeface="+mn-ea"/>
+                <a:sym typeface="+mn-lt"/>
+              </a:rPr>
+              <a:t>⑨管理员修改登陆密码、</a:t>
+            </a:r>
+            <a:r>
+              <a:rPr lang="zh-CN" altLang="en-US" kern="0">
+                <a:solidFill>
+                  <a:schemeClr val="bg1"/>
+                </a:solidFill>
+                <a:cs typeface="+mn-ea"/>
+                <a:sym typeface="+mn-lt"/>
+              </a:rPr>
+              <a:t>用户信息</a:t>
+            </a:r>
+            <a:endParaRPr lang="zh-CN" altLang="zh-CN" kern="0" dirty="0">
+              <a:solidFill>
+                <a:schemeClr val="bg1"/>
+              </a:solidFill>
+              <a:cs typeface="+mn-ea"/>
+              <a:sym typeface="+mn-lt"/>
+            </a:endParaRPr>
+          </a:p>
+        </p:txBody>
+      </p:sp>
+      <p:pic>
+        <p:nvPicPr>
+          <p:cNvPr id="10" name="Picture 2"/>
+          <p:cNvPicPr>
+            <a:picLocks noChangeAspect="1" noChangeArrowheads="1"/>
+          </p:cNvPicPr>
+          <p:nvPr/>
+        </p:nvPicPr>
+        <p:blipFill>
+          <a:blip r:embed="rId2"/>
+          <a:stretch>
+            <a:fillRect/>
+          </a:stretch>
+        </p:blipFill>
+        <p:spPr bwMode="auto">
+          <a:xfrm>
+            <a:off x="6842817" y="1838196"/>
+            <a:ext cx="5062887" cy="3293209"/>
+          </a:xfrm>
+          <a:prstGeom prst="rect">
+            <a:avLst/>
+          </a:prstGeom>
+          <a:noFill/>
+          <a:extLst>
+            <a:ext uri="{909E8E84-426E-40DD-AFC4-6F175D3DCCD1}">
+              <a14:hiddenFill xmlns:a14="http://schemas.microsoft.com/office/drawing/2010/main">
+                <a:solidFill>
+                  <a:srgbClr val="FFFFFF"/>
+                </a:solidFill>
+              </a14:hiddenFill>
+            </a:ext>
+          </a:extLst>
+        </p:spPr>
+      </p:pic>
+      <p:sp>
+        <p:nvSpPr>
+          <p:cNvPr id="12" name="文本占位符 11"/>
+          <p:cNvSpPr>
+            <a:spLocks noGrp="1"/>
+          </p:cNvSpPr>
+          <p:nvPr>
+            <p:ph type="body" sz="quarter" idx="12"/>
+          </p:nvPr>
+        </p:nvSpPr>
+        <p:spPr/>
+        <p:txBody>
+          <a:bodyPr/>
+          <a:lstStyle/>
+          <a:p>
+            <a:r>
+              <a:rPr lang="zh-CN" altLang="en-US" dirty="0"/>
+              <a:t>前提准备</a:t>
+            </a:r>
+          </a:p>
+        </p:txBody>
+      </p:sp>
+    </p:spTree>
+    <p:extLst>
+      <p:ext uri="{BB962C8B-B14F-4D97-AF65-F5344CB8AC3E}">
+        <p14:creationId xmlns:p14="http://schemas.microsoft.com/office/powerpoint/2010/main" val="3094101438"/>
+      </p:ext>
+    </p:extLst>
+  </p:cSld>
+  <p:clrMapOvr>
+    <a:masterClrMapping/>
+  </p:clrMapOvr>
+  <mc:AlternateContent xmlns:mc="http://schemas.openxmlformats.org/markup-compatibility/2006" xmlns:p14="http://schemas.microsoft.com/office/powerpoint/2010/main">
+    <mc:Choice Requires="p14">
+      <p:transition spd="med" p14:dur="700">
+        <p:fade/>
+      </p:transition>
+    </mc:Choice>
+    <mc:Fallback xmlns="">
+      <p:transition spd="med">
+        <p:fade/>
+      </p:transition>
+    </mc:Fallback>
+  </mc:AlternateContent>
+</p:sld>
+</file>
+
+<file path=ppt/slides/slide4.xml><?xml version="1.0" encoding="utf-8"?>
 <p:sld xmlns:a="http://schemas.openxmlformats.org/drawingml/2006/main" xmlns:r="http://schemas.openxmlformats.org/officeDocument/2006/relationships" xmlns:p="http://schemas.openxmlformats.org/presentationml/2006/main">
   <p:cSld>
     <p:spTree>
@@ -8836,7 +7709,7 @@
 </p:sld>
 </file>
 
-<file path=ppt/slides/slide6.xml><?xml version="1.0" encoding="utf-8"?>
+<file path=ppt/slides/slide5.xml><?xml version="1.0" encoding="utf-8"?>
 <p:sld xmlns:a="http://schemas.openxmlformats.org/drawingml/2006/main" xmlns:r="http://schemas.openxmlformats.org/officeDocument/2006/relationships" xmlns:p="http://schemas.openxmlformats.org/presentationml/2006/main">
   <p:cSld>
     <p:spTree>
@@ -9876,7 +8749,7 @@
 </p:sld>
 </file>
 
-<file path=ppt/slides/slide7.xml><?xml version="1.0" encoding="utf-8"?>
+<file path=ppt/slides/slide6.xml><?xml version="1.0" encoding="utf-8"?>
 <p:sld xmlns:a="http://schemas.openxmlformats.org/drawingml/2006/main" xmlns:r="http://schemas.openxmlformats.org/officeDocument/2006/relationships" xmlns:p="http://schemas.openxmlformats.org/presentationml/2006/main">
   <p:cSld>
     <p:spTree>
@@ -9972,7 +8845,7 @@
 </p:sld>
 </file>
 
-<file path=ppt/slides/slide8.xml><?xml version="1.0" encoding="utf-8"?>
+<file path=ppt/slides/slide7.xml><?xml version="1.0" encoding="utf-8"?>
 <p:sld xmlns:a="http://schemas.openxmlformats.org/drawingml/2006/main" xmlns:r="http://schemas.openxmlformats.org/officeDocument/2006/relationships" xmlns:p="http://schemas.openxmlformats.org/presentationml/2006/main">
   <p:cSld>
     <p:spTree>
@@ -10644,7 +9517,7 @@
 </p:sld>
 </file>
 
-<file path=ppt/slides/slide9.xml><?xml version="1.0" encoding="utf-8"?>
+<file path=ppt/slides/slide8.xml><?xml version="1.0" encoding="utf-8"?>
 <p:sld xmlns:a="http://schemas.openxmlformats.org/drawingml/2006/main" xmlns:r="http://schemas.openxmlformats.org/officeDocument/2006/relationships" xmlns:p="http://schemas.openxmlformats.org/presentationml/2006/main">
   <p:cSld>
     <p:spTree>
@@ -10743,6 +9616,1140 @@
     <p:extLst>
       <p:ext uri="{BB962C8B-B14F-4D97-AF65-F5344CB8AC3E}">
         <p14:creationId xmlns:p14="http://schemas.microsoft.com/office/powerpoint/2010/main" val="1983218617"/>
+      </p:ext>
+    </p:extLst>
+  </p:cSld>
+  <p:clrMapOvr>
+    <a:masterClrMapping/>
+  </p:clrMapOvr>
+  <mc:AlternateContent xmlns:mc="http://schemas.openxmlformats.org/markup-compatibility/2006" xmlns:p14="http://schemas.microsoft.com/office/powerpoint/2010/main">
+    <mc:Choice Requires="p14">
+      <p:transition spd="med" p14:dur="700">
+        <p:fade/>
+      </p:transition>
+    </mc:Choice>
+    <mc:Fallback xmlns="">
+      <p:transition spd="med">
+        <p:fade/>
+      </p:transition>
+    </mc:Fallback>
+  </mc:AlternateContent>
+</p:sld>
+</file>
+
+<file path=ppt/slides/slide9.xml><?xml version="1.0" encoding="utf-8"?>
+<p:sld xmlns:a="http://schemas.openxmlformats.org/drawingml/2006/main" xmlns:r="http://schemas.openxmlformats.org/officeDocument/2006/relationships" xmlns:p="http://schemas.openxmlformats.org/presentationml/2006/main">
+  <p:cSld>
+    <p:spTree>
+      <p:nvGrpSpPr>
+        <p:cNvPr id="1" name=""/>
+        <p:cNvGrpSpPr/>
+        <p:nvPr/>
+      </p:nvGrpSpPr>
+      <p:grpSpPr>
+        <a:xfrm>
+          <a:off x="0" y="0"/>
+          <a:ext cx="0" cy="0"/>
+          <a:chOff x="0" y="0"/>
+          <a:chExt cx="0" cy="0"/>
+        </a:xfrm>
+      </p:grpSpPr>
+      <p:sp>
+        <p:nvSpPr>
+          <p:cNvPr id="2" name="文本占位符 1"/>
+          <p:cNvSpPr>
+            <a:spLocks noGrp="1"/>
+          </p:cNvSpPr>
+          <p:nvPr>
+            <p:ph type="body" sz="quarter" idx="11"/>
+          </p:nvPr>
+        </p:nvSpPr>
+        <p:spPr/>
+        <p:txBody>
+          <a:bodyPr/>
+          <a:lstStyle/>
+          <a:p>
+            <a:r>
+              <a:rPr lang="zh-CN" altLang="en-US" dirty="0"/>
+              <a:t>服务器端</a:t>
+            </a:r>
+          </a:p>
+        </p:txBody>
+      </p:sp>
+      <p:sp>
+        <p:nvSpPr>
+          <p:cNvPr id="3" name="文本占位符 2"/>
+          <p:cNvSpPr>
+            <a:spLocks noGrp="1"/>
+          </p:cNvSpPr>
+          <p:nvPr>
+            <p:ph type="body" sz="quarter" idx="12"/>
+          </p:nvPr>
+        </p:nvSpPr>
+        <p:spPr/>
+        <p:txBody>
+          <a:bodyPr/>
+          <a:lstStyle/>
+          <a:p>
+            <a:r>
+              <a:rPr kumimoji="1" lang="zh-CN" altLang="en-US" dirty="0">
+                <a:cs typeface="+mn-ea"/>
+                <a:sym typeface="+mn-lt"/>
+              </a:rPr>
+              <a:t>项目集合</a:t>
+            </a:r>
+          </a:p>
+        </p:txBody>
+      </p:sp>
+      <p:grpSp>
+        <p:nvGrpSpPr>
+          <p:cNvPr id="39" name="组 38"/>
+          <p:cNvGrpSpPr/>
+          <p:nvPr/>
+        </p:nvGrpSpPr>
+        <p:grpSpPr>
+          <a:xfrm>
+            <a:off x="3707152" y="1866561"/>
+            <a:ext cx="4777699" cy="4137072"/>
+            <a:chOff x="2724079" y="1043685"/>
+            <a:chExt cx="3583741" cy="3103208"/>
+          </a:xfrm>
+        </p:grpSpPr>
+        <p:grpSp>
+          <p:nvGrpSpPr>
+            <p:cNvPr id="43" name="组 42"/>
+            <p:cNvGrpSpPr/>
+            <p:nvPr/>
+          </p:nvGrpSpPr>
+          <p:grpSpPr>
+            <a:xfrm>
+              <a:off x="3317472" y="1043685"/>
+              <a:ext cx="2396954" cy="1072428"/>
+              <a:chOff x="3286088" y="1061323"/>
+              <a:chExt cx="2396954" cy="1072428"/>
+            </a:xfrm>
+          </p:grpSpPr>
+          <p:sp>
+            <p:nvSpPr>
+              <p:cNvPr id="61" name="六边形 60"/>
+              <p:cNvSpPr/>
+              <p:nvPr/>
+            </p:nvSpPr>
+            <p:spPr>
+              <a:xfrm rot="1799508">
+                <a:off x="4439027" y="1061324"/>
+                <a:ext cx="1244015" cy="1072427"/>
+              </a:xfrm>
+              <a:prstGeom prst="hexagon">
+                <a:avLst>
+                  <a:gd name="adj" fmla="val 28919"/>
+                  <a:gd name="vf" fmla="val 115470"/>
+                </a:avLst>
+              </a:prstGeom>
+              <a:solidFill>
+                <a:schemeClr val="accent2"/>
+              </a:solidFill>
+              <a:ln>
+                <a:noFill/>
+              </a:ln>
+              <a:effectLst/>
+            </p:spPr>
+            <p:style>
+              <a:lnRef idx="1">
+                <a:schemeClr val="accent1"/>
+              </a:lnRef>
+              <a:fillRef idx="3">
+                <a:schemeClr val="accent1"/>
+              </a:fillRef>
+              <a:effectRef idx="2">
+                <a:schemeClr val="accent1"/>
+              </a:effectRef>
+              <a:fontRef idx="minor">
+                <a:schemeClr val="lt1"/>
+              </a:fontRef>
+            </p:style>
+            <p:txBody>
+              <a:bodyPr rtlCol="0" anchor="ctr"/>
+              <a:lstStyle/>
+              <a:p>
+                <a:pPr algn="ctr" defTabSz="914309"/>
+                <a:endParaRPr kumimoji="1" lang="zh-CN" altLang="en-US" sz="2400" kern="0">
+                  <a:solidFill>
+                    <a:sysClr val="windowText" lastClr="000000"/>
+                  </a:solidFill>
+                  <a:cs typeface="+mn-ea"/>
+                  <a:sym typeface="+mn-lt"/>
+                </a:endParaRPr>
+              </a:p>
+            </p:txBody>
+          </p:sp>
+          <p:sp>
+            <p:nvSpPr>
+              <p:cNvPr id="62" name="六边形 61"/>
+              <p:cNvSpPr/>
+              <p:nvPr/>
+            </p:nvSpPr>
+            <p:spPr>
+              <a:xfrm rot="1799508">
+                <a:off x="3286088" y="1061323"/>
+                <a:ext cx="1244015" cy="1072427"/>
+              </a:xfrm>
+              <a:prstGeom prst="hexagon">
+                <a:avLst>
+                  <a:gd name="adj" fmla="val 28919"/>
+                  <a:gd name="vf" fmla="val 115470"/>
+                </a:avLst>
+              </a:prstGeom>
+              <a:solidFill>
+                <a:schemeClr val="accent1"/>
+              </a:solidFill>
+              <a:ln>
+                <a:noFill/>
+              </a:ln>
+              <a:effectLst/>
+            </p:spPr>
+            <p:style>
+              <a:lnRef idx="1">
+                <a:schemeClr val="accent1"/>
+              </a:lnRef>
+              <a:fillRef idx="3">
+                <a:schemeClr val="accent1"/>
+              </a:fillRef>
+              <a:effectRef idx="2">
+                <a:schemeClr val="accent1"/>
+              </a:effectRef>
+              <a:fontRef idx="minor">
+                <a:schemeClr val="lt1"/>
+              </a:fontRef>
+            </p:style>
+            <p:txBody>
+              <a:bodyPr rtlCol="0" anchor="ctr"/>
+              <a:lstStyle/>
+              <a:p>
+                <a:pPr algn="ctr" defTabSz="914309"/>
+                <a:endParaRPr kumimoji="1" lang="zh-CN" altLang="en-US" sz="2400" kern="0">
+                  <a:solidFill>
+                    <a:sysClr val="windowText" lastClr="000000"/>
+                  </a:solidFill>
+                  <a:cs typeface="+mn-ea"/>
+                  <a:sym typeface="+mn-lt"/>
+                </a:endParaRPr>
+              </a:p>
+            </p:txBody>
+          </p:sp>
+        </p:grpSp>
+        <p:grpSp>
+          <p:nvGrpSpPr>
+            <p:cNvPr id="49" name="组 48"/>
+            <p:cNvGrpSpPr/>
+            <p:nvPr/>
+          </p:nvGrpSpPr>
+          <p:grpSpPr>
+            <a:xfrm>
+              <a:off x="2724079" y="2060311"/>
+              <a:ext cx="3583741" cy="1072433"/>
+              <a:chOff x="2724079" y="2060313"/>
+              <a:chExt cx="3583741" cy="1072433"/>
+            </a:xfrm>
+          </p:grpSpPr>
+          <p:sp>
+            <p:nvSpPr>
+              <p:cNvPr id="59" name="六边形 58"/>
+              <p:cNvSpPr/>
+              <p:nvPr/>
+            </p:nvSpPr>
+            <p:spPr>
+              <a:xfrm rot="1799508">
+                <a:off x="2724079" y="2060313"/>
+                <a:ext cx="1244015" cy="1072427"/>
+              </a:xfrm>
+              <a:prstGeom prst="hexagon">
+                <a:avLst>
+                  <a:gd name="adj" fmla="val 28919"/>
+                  <a:gd name="vf" fmla="val 115470"/>
+                </a:avLst>
+              </a:prstGeom>
+              <a:solidFill>
+                <a:schemeClr val="accent4"/>
+              </a:solidFill>
+              <a:ln>
+                <a:noFill/>
+              </a:ln>
+              <a:effectLst/>
+            </p:spPr>
+            <p:style>
+              <a:lnRef idx="1">
+                <a:schemeClr val="accent1"/>
+              </a:lnRef>
+              <a:fillRef idx="3">
+                <a:schemeClr val="accent1"/>
+              </a:fillRef>
+              <a:effectRef idx="2">
+                <a:schemeClr val="accent1"/>
+              </a:effectRef>
+              <a:fontRef idx="minor">
+                <a:schemeClr val="lt1"/>
+              </a:fontRef>
+            </p:style>
+            <p:txBody>
+              <a:bodyPr rtlCol="0" anchor="ctr"/>
+              <a:lstStyle/>
+              <a:p>
+                <a:pPr algn="ctr" defTabSz="914309"/>
+                <a:endParaRPr kumimoji="1" lang="zh-CN" altLang="en-US" sz="2400" kern="0">
+                  <a:solidFill>
+                    <a:sysClr val="windowText" lastClr="000000"/>
+                  </a:solidFill>
+                  <a:cs typeface="+mn-ea"/>
+                  <a:sym typeface="+mn-lt"/>
+                </a:endParaRPr>
+              </a:p>
+            </p:txBody>
+          </p:sp>
+          <p:sp>
+            <p:nvSpPr>
+              <p:cNvPr id="60" name="六边形 59"/>
+              <p:cNvSpPr/>
+              <p:nvPr/>
+            </p:nvSpPr>
+            <p:spPr>
+              <a:xfrm rot="1799508">
+                <a:off x="5063805" y="2060319"/>
+                <a:ext cx="1244015" cy="1072427"/>
+              </a:xfrm>
+              <a:prstGeom prst="hexagon">
+                <a:avLst>
+                  <a:gd name="adj" fmla="val 28919"/>
+                  <a:gd name="vf" fmla="val 115470"/>
+                </a:avLst>
+              </a:prstGeom>
+              <a:solidFill>
+                <a:schemeClr val="accent4"/>
+              </a:solidFill>
+              <a:ln>
+                <a:noFill/>
+              </a:ln>
+              <a:effectLst/>
+            </p:spPr>
+            <p:style>
+              <a:lnRef idx="1">
+                <a:schemeClr val="accent1"/>
+              </a:lnRef>
+              <a:fillRef idx="3">
+                <a:schemeClr val="accent1"/>
+              </a:fillRef>
+              <a:effectRef idx="2">
+                <a:schemeClr val="accent1"/>
+              </a:effectRef>
+              <a:fontRef idx="minor">
+                <a:schemeClr val="lt1"/>
+              </a:fontRef>
+            </p:style>
+            <p:txBody>
+              <a:bodyPr rtlCol="0" anchor="ctr"/>
+              <a:lstStyle/>
+              <a:p>
+                <a:pPr algn="ctr" defTabSz="914309"/>
+                <a:endParaRPr kumimoji="1" lang="zh-CN" altLang="en-US" sz="2400" kern="0">
+                  <a:solidFill>
+                    <a:sysClr val="windowText" lastClr="000000"/>
+                  </a:solidFill>
+                  <a:cs typeface="+mn-ea"/>
+                  <a:sym typeface="+mn-lt"/>
+                </a:endParaRPr>
+              </a:p>
+            </p:txBody>
+          </p:sp>
+        </p:grpSp>
+        <p:grpSp>
+          <p:nvGrpSpPr>
+            <p:cNvPr id="53" name="组 52"/>
+            <p:cNvGrpSpPr/>
+            <p:nvPr/>
+          </p:nvGrpSpPr>
+          <p:grpSpPr>
+            <a:xfrm>
+              <a:off x="3317472" y="3074463"/>
+              <a:ext cx="2396954" cy="1072430"/>
+              <a:chOff x="3286088" y="3039187"/>
+              <a:chExt cx="2396954" cy="1072430"/>
+            </a:xfrm>
+          </p:grpSpPr>
+          <p:sp>
+            <p:nvSpPr>
+              <p:cNvPr id="57" name="六边形 56"/>
+              <p:cNvSpPr/>
+              <p:nvPr/>
+            </p:nvSpPr>
+            <p:spPr>
+              <a:xfrm rot="1799508">
+                <a:off x="3286088" y="3039187"/>
+                <a:ext cx="1244015" cy="1072427"/>
+              </a:xfrm>
+              <a:prstGeom prst="hexagon">
+                <a:avLst>
+                  <a:gd name="adj" fmla="val 28919"/>
+                  <a:gd name="vf" fmla="val 115470"/>
+                </a:avLst>
+              </a:prstGeom>
+              <a:solidFill>
+                <a:schemeClr val="accent2"/>
+              </a:solidFill>
+              <a:ln>
+                <a:noFill/>
+              </a:ln>
+              <a:effectLst/>
+            </p:spPr>
+            <p:style>
+              <a:lnRef idx="1">
+                <a:schemeClr val="accent1"/>
+              </a:lnRef>
+              <a:fillRef idx="3">
+                <a:schemeClr val="accent1"/>
+              </a:fillRef>
+              <a:effectRef idx="2">
+                <a:schemeClr val="accent1"/>
+              </a:effectRef>
+              <a:fontRef idx="minor">
+                <a:schemeClr val="lt1"/>
+              </a:fontRef>
+            </p:style>
+            <p:txBody>
+              <a:bodyPr rtlCol="0" anchor="ctr"/>
+              <a:lstStyle/>
+              <a:p>
+                <a:pPr algn="ctr" defTabSz="914309"/>
+                <a:endParaRPr kumimoji="1" lang="zh-CN" altLang="en-US" sz="2400" kern="0">
+                  <a:solidFill>
+                    <a:sysClr val="windowText" lastClr="000000"/>
+                  </a:solidFill>
+                  <a:cs typeface="+mn-ea"/>
+                  <a:sym typeface="+mn-lt"/>
+                </a:endParaRPr>
+              </a:p>
+            </p:txBody>
+          </p:sp>
+          <p:sp>
+            <p:nvSpPr>
+              <p:cNvPr id="58" name="六边形 57"/>
+              <p:cNvSpPr/>
+              <p:nvPr/>
+            </p:nvSpPr>
+            <p:spPr>
+              <a:xfrm rot="1799508">
+                <a:off x="4439027" y="3039190"/>
+                <a:ext cx="1244015" cy="1072427"/>
+              </a:xfrm>
+              <a:prstGeom prst="hexagon">
+                <a:avLst>
+                  <a:gd name="adj" fmla="val 28919"/>
+                  <a:gd name="vf" fmla="val 115470"/>
+                </a:avLst>
+              </a:prstGeom>
+              <a:solidFill>
+                <a:schemeClr val="accent1"/>
+              </a:solidFill>
+              <a:ln>
+                <a:noFill/>
+              </a:ln>
+              <a:effectLst/>
+            </p:spPr>
+            <p:style>
+              <a:lnRef idx="1">
+                <a:schemeClr val="accent1"/>
+              </a:lnRef>
+              <a:fillRef idx="3">
+                <a:schemeClr val="accent1"/>
+              </a:fillRef>
+              <a:effectRef idx="2">
+                <a:schemeClr val="accent1"/>
+              </a:effectRef>
+              <a:fontRef idx="minor">
+                <a:schemeClr val="lt1"/>
+              </a:fontRef>
+            </p:style>
+            <p:txBody>
+              <a:bodyPr rtlCol="0" anchor="ctr"/>
+              <a:lstStyle/>
+              <a:p>
+                <a:pPr algn="ctr" defTabSz="914309"/>
+                <a:endParaRPr kumimoji="1" lang="zh-CN" altLang="en-US" sz="2400" kern="0">
+                  <a:solidFill>
+                    <a:sysClr val="windowText" lastClr="000000"/>
+                  </a:solidFill>
+                  <a:cs typeface="+mn-ea"/>
+                  <a:sym typeface="+mn-lt"/>
+                </a:endParaRPr>
+              </a:p>
+            </p:txBody>
+          </p:sp>
+        </p:grpSp>
+        <p:sp>
+          <p:nvSpPr>
+            <p:cNvPr id="56" name="六边形 55"/>
+            <p:cNvSpPr/>
+            <p:nvPr/>
+          </p:nvSpPr>
+          <p:spPr>
+            <a:xfrm rot="1799508">
+              <a:off x="3893942" y="2060314"/>
+              <a:ext cx="1244015" cy="1072427"/>
+            </a:xfrm>
+            <a:prstGeom prst="hexagon">
+              <a:avLst>
+                <a:gd name="adj" fmla="val 28919"/>
+                <a:gd name="vf" fmla="val 115470"/>
+              </a:avLst>
+            </a:prstGeom>
+            <a:noFill/>
+            <a:ln>
+              <a:solidFill>
+                <a:schemeClr val="accent2"/>
+              </a:solidFill>
+            </a:ln>
+            <a:effectLst/>
+          </p:spPr>
+          <p:style>
+            <a:lnRef idx="1">
+              <a:schemeClr val="accent1"/>
+            </a:lnRef>
+            <a:fillRef idx="3">
+              <a:schemeClr val="accent1"/>
+            </a:fillRef>
+            <a:effectRef idx="2">
+              <a:schemeClr val="accent1"/>
+            </a:effectRef>
+            <a:fontRef idx="minor">
+              <a:schemeClr val="lt1"/>
+            </a:fontRef>
+          </p:style>
+          <p:txBody>
+            <a:bodyPr rtlCol="0" anchor="ctr"/>
+            <a:lstStyle/>
+            <a:p>
+              <a:pPr algn="ctr" defTabSz="914309"/>
+              <a:endParaRPr kumimoji="1" lang="zh-CN" altLang="en-US" sz="2400" kern="0">
+                <a:solidFill>
+                  <a:sysClr val="windowText" lastClr="000000"/>
+                </a:solidFill>
+                <a:cs typeface="+mn-ea"/>
+                <a:sym typeface="+mn-lt"/>
+              </a:endParaRPr>
+            </a:p>
+          </p:txBody>
+        </p:sp>
+      </p:grpSp>
+      <p:sp>
+        <p:nvSpPr>
+          <p:cNvPr id="69" name="文本框 68"/>
+          <p:cNvSpPr txBox="1"/>
+          <p:nvPr/>
+        </p:nvSpPr>
+        <p:spPr>
+          <a:xfrm>
+            <a:off x="7931609" y="1891091"/>
+            <a:ext cx="1005403" cy="338554"/>
+          </a:xfrm>
+          <a:prstGeom prst="rect">
+            <a:avLst/>
+          </a:prstGeom>
+          <a:noFill/>
+        </p:spPr>
+        <p:txBody>
+          <a:bodyPr wrap="none" rtlCol="0">
+            <a:spAutoFit/>
+          </a:bodyPr>
+          <a:lstStyle/>
+          <a:p>
+            <a:pPr algn="ctr" defTabSz="914309"/>
+            <a:r>
+              <a:rPr kumimoji="1" lang="zh-CN" altLang="en-US" sz="1600" b="1" kern="0" dirty="0">
+                <a:solidFill>
+                  <a:schemeClr val="accent2"/>
+                </a:solidFill>
+                <a:cs typeface="+mn-ea"/>
+                <a:sym typeface="+mn-lt"/>
+              </a:rPr>
+              <a:t>定时重启</a:t>
+            </a:r>
+          </a:p>
+        </p:txBody>
+      </p:sp>
+      <p:sp>
+        <p:nvSpPr>
+          <p:cNvPr id="70" name="文本框 69"/>
+          <p:cNvSpPr txBox="1"/>
+          <p:nvPr/>
+        </p:nvSpPr>
+        <p:spPr>
+          <a:xfrm>
+            <a:off x="7740269" y="2217305"/>
+            <a:ext cx="2632536" cy="599203"/>
+          </a:xfrm>
+          <a:prstGeom prst="rect">
+            <a:avLst/>
+          </a:prstGeom>
+          <a:noFill/>
+        </p:spPr>
+        <p:txBody>
+          <a:bodyPr wrap="square" rtlCol="0">
+            <a:spAutoFit/>
+          </a:bodyPr>
+          <a:lstStyle/>
+          <a:p>
+            <a:pPr defTabSz="914309">
+              <a:lnSpc>
+                <a:spcPct val="130000"/>
+              </a:lnSpc>
+            </a:pPr>
+            <a:r>
+              <a:rPr lang="zh-CN" altLang="en-US" sz="1333" kern="0" dirty="0">
+                <a:solidFill>
+                  <a:schemeClr val="bg1"/>
+                </a:solidFill>
+                <a:cs typeface="+mn-ea"/>
+                <a:sym typeface="+mn-lt"/>
+              </a:rPr>
+              <a:t>服务器以及服务器软件定时重启，防止服务器冗机</a:t>
+            </a:r>
+            <a:endParaRPr lang="zh-CN" altLang="zh-CN" sz="1333" kern="0" dirty="0">
+              <a:solidFill>
+                <a:schemeClr val="bg1"/>
+              </a:solidFill>
+              <a:cs typeface="+mn-ea"/>
+              <a:sym typeface="+mn-lt"/>
+            </a:endParaRPr>
+          </a:p>
+        </p:txBody>
+      </p:sp>
+      <p:sp>
+        <p:nvSpPr>
+          <p:cNvPr id="71" name="文本框 70"/>
+          <p:cNvSpPr txBox="1"/>
+          <p:nvPr/>
+        </p:nvSpPr>
+        <p:spPr>
+          <a:xfrm>
+            <a:off x="8608346" y="3261098"/>
+            <a:ext cx="1210588" cy="338554"/>
+          </a:xfrm>
+          <a:prstGeom prst="rect">
+            <a:avLst/>
+          </a:prstGeom>
+          <a:noFill/>
+        </p:spPr>
+        <p:txBody>
+          <a:bodyPr wrap="none" rtlCol="0">
+            <a:spAutoFit/>
+          </a:bodyPr>
+          <a:lstStyle/>
+          <a:p>
+            <a:pPr algn="ctr" defTabSz="914309"/>
+            <a:r>
+              <a:rPr kumimoji="1" lang="zh-CN" altLang="en-US" sz="1600" b="1" kern="0" dirty="0">
+                <a:solidFill>
+                  <a:schemeClr val="accent4"/>
+                </a:solidFill>
+                <a:cs typeface="+mn-ea"/>
+                <a:sym typeface="+mn-lt"/>
+              </a:rPr>
+              <a:t>服务器系统</a:t>
+            </a:r>
+          </a:p>
+        </p:txBody>
+      </p:sp>
+      <p:sp>
+        <p:nvSpPr>
+          <p:cNvPr id="72" name="文本框 71"/>
+          <p:cNvSpPr txBox="1"/>
+          <p:nvPr/>
+        </p:nvSpPr>
+        <p:spPr>
+          <a:xfrm>
+            <a:off x="8519599" y="3587312"/>
+            <a:ext cx="2472885" cy="599203"/>
+          </a:xfrm>
+          <a:prstGeom prst="rect">
+            <a:avLst/>
+          </a:prstGeom>
+          <a:noFill/>
+        </p:spPr>
+        <p:txBody>
+          <a:bodyPr wrap="square" rtlCol="0">
+            <a:spAutoFit/>
+          </a:bodyPr>
+          <a:lstStyle/>
+          <a:p>
+            <a:pPr defTabSz="914309">
+              <a:lnSpc>
+                <a:spcPct val="130000"/>
+              </a:lnSpc>
+            </a:pPr>
+            <a:r>
+              <a:rPr lang="zh-CN" altLang="en-US" sz="1333" kern="0" dirty="0">
+                <a:solidFill>
+                  <a:schemeClr val="bg1"/>
+                </a:solidFill>
+                <a:cs typeface="+mn-ea"/>
+                <a:sym typeface="+mn-lt"/>
+              </a:rPr>
+              <a:t>采用轻量级</a:t>
+            </a:r>
+            <a:r>
+              <a:rPr lang="en-US" altLang="zh-CN" sz="1333" kern="0" dirty="0" err="1">
+                <a:solidFill>
+                  <a:schemeClr val="bg1"/>
+                </a:solidFill>
+                <a:cs typeface="+mn-ea"/>
+                <a:sym typeface="+mn-lt"/>
+              </a:rPr>
+              <a:t>debian</a:t>
+            </a:r>
+            <a:r>
+              <a:rPr lang="zh-CN" altLang="en-US" sz="1333" kern="0" dirty="0">
+                <a:solidFill>
+                  <a:schemeClr val="bg1"/>
+                </a:solidFill>
+                <a:cs typeface="+mn-ea"/>
+                <a:sym typeface="+mn-lt"/>
+              </a:rPr>
+              <a:t>系统，手动安装需求软件</a:t>
+            </a:r>
+            <a:endParaRPr kumimoji="1" lang="zh-CN" altLang="en-US" sz="1067" kern="0" dirty="0">
+              <a:solidFill>
+                <a:schemeClr val="bg1"/>
+              </a:solidFill>
+              <a:cs typeface="+mn-ea"/>
+              <a:sym typeface="+mn-lt"/>
+            </a:endParaRPr>
+          </a:p>
+        </p:txBody>
+      </p:sp>
+      <p:sp>
+        <p:nvSpPr>
+          <p:cNvPr id="73" name="文本框 72"/>
+          <p:cNvSpPr txBox="1"/>
+          <p:nvPr/>
+        </p:nvSpPr>
+        <p:spPr>
+          <a:xfrm>
+            <a:off x="8200331" y="4601110"/>
+            <a:ext cx="1415772" cy="338554"/>
+          </a:xfrm>
+          <a:prstGeom prst="rect">
+            <a:avLst/>
+          </a:prstGeom>
+          <a:noFill/>
+        </p:spPr>
+        <p:txBody>
+          <a:bodyPr wrap="none" rtlCol="0">
+            <a:spAutoFit/>
+          </a:bodyPr>
+          <a:lstStyle/>
+          <a:p>
+            <a:pPr algn="ctr" defTabSz="914309"/>
+            <a:r>
+              <a:rPr kumimoji="1" lang="zh-CN" altLang="en-US" sz="1600" b="1" kern="0" dirty="0">
+                <a:solidFill>
+                  <a:schemeClr val="accent1"/>
+                </a:solidFill>
+                <a:cs typeface="+mn-ea"/>
+                <a:sym typeface="+mn-lt"/>
+              </a:rPr>
+              <a:t>安全密钥登陆</a:t>
+            </a:r>
+          </a:p>
+        </p:txBody>
+      </p:sp>
+      <p:sp>
+        <p:nvSpPr>
+          <p:cNvPr id="74" name="文本框 73"/>
+          <p:cNvSpPr txBox="1"/>
+          <p:nvPr/>
+        </p:nvSpPr>
+        <p:spPr>
+          <a:xfrm>
+            <a:off x="7740269" y="4927325"/>
+            <a:ext cx="2632536" cy="599203"/>
+          </a:xfrm>
+          <a:prstGeom prst="rect">
+            <a:avLst/>
+          </a:prstGeom>
+          <a:noFill/>
+        </p:spPr>
+        <p:txBody>
+          <a:bodyPr wrap="square" rtlCol="0">
+            <a:spAutoFit/>
+          </a:bodyPr>
+          <a:lstStyle/>
+          <a:p>
+            <a:pPr defTabSz="914309">
+              <a:lnSpc>
+                <a:spcPct val="130000"/>
+              </a:lnSpc>
+            </a:pPr>
+            <a:r>
+              <a:rPr lang="zh-CN" altLang="en-US" sz="1333" kern="0" dirty="0">
+                <a:solidFill>
+                  <a:schemeClr val="bg1"/>
+                </a:solidFill>
+                <a:cs typeface="+mn-ea"/>
+                <a:sym typeface="+mn-lt"/>
+              </a:rPr>
+              <a:t>关闭传统密码登陆服务器，开启</a:t>
+            </a:r>
+            <a:r>
+              <a:rPr lang="en-US" altLang="zh-CN" sz="1333" kern="0" dirty="0">
+                <a:solidFill>
+                  <a:schemeClr val="bg1"/>
+                </a:solidFill>
+                <a:cs typeface="+mn-ea"/>
+                <a:sym typeface="+mn-lt"/>
+              </a:rPr>
+              <a:t>SSH</a:t>
+            </a:r>
+            <a:r>
+              <a:rPr lang="zh-CN" altLang="en-US" sz="1333" kern="0" dirty="0">
+                <a:solidFill>
+                  <a:schemeClr val="bg1"/>
+                </a:solidFill>
+                <a:cs typeface="+mn-ea"/>
+                <a:sym typeface="+mn-lt"/>
+              </a:rPr>
+              <a:t>安全密钥登陆服务器</a:t>
+            </a:r>
+          </a:p>
+        </p:txBody>
+      </p:sp>
+      <p:sp>
+        <p:nvSpPr>
+          <p:cNvPr id="75" name="文本框 74"/>
+          <p:cNvSpPr txBox="1"/>
+          <p:nvPr/>
+        </p:nvSpPr>
+        <p:spPr>
+          <a:xfrm flipH="1">
+            <a:off x="2484651" y="1891091"/>
+            <a:ext cx="2031325" cy="338554"/>
+          </a:xfrm>
+          <a:prstGeom prst="rect">
+            <a:avLst/>
+          </a:prstGeom>
+          <a:noFill/>
+        </p:spPr>
+        <p:txBody>
+          <a:bodyPr wrap="none" rtlCol="0">
+            <a:spAutoFit/>
+          </a:bodyPr>
+          <a:lstStyle/>
+          <a:p>
+            <a:pPr algn="ctr" defTabSz="914309"/>
+            <a:r>
+              <a:rPr kumimoji="1" lang="zh-CN" altLang="en-US" sz="1600" b="1" kern="0" dirty="0">
+                <a:solidFill>
+                  <a:schemeClr val="accent1"/>
+                </a:solidFill>
+                <a:cs typeface="+mn-ea"/>
+                <a:sym typeface="+mn-lt"/>
+              </a:rPr>
+              <a:t>腾讯云高性能服务器</a:t>
+            </a:r>
+          </a:p>
+        </p:txBody>
+      </p:sp>
+      <p:sp>
+        <p:nvSpPr>
+          <p:cNvPr id="76" name="文本框 75"/>
+          <p:cNvSpPr txBox="1"/>
+          <p:nvPr/>
+        </p:nvSpPr>
+        <p:spPr>
+          <a:xfrm flipH="1">
+            <a:off x="1953407" y="2217305"/>
+            <a:ext cx="2572533" cy="625684"/>
+          </a:xfrm>
+          <a:prstGeom prst="rect">
+            <a:avLst/>
+          </a:prstGeom>
+          <a:noFill/>
+        </p:spPr>
+        <p:txBody>
+          <a:bodyPr wrap="square" rtlCol="0">
+            <a:spAutoFit/>
+          </a:bodyPr>
+          <a:lstStyle/>
+          <a:p>
+            <a:pPr defTabSz="914309">
+              <a:lnSpc>
+                <a:spcPct val="130000"/>
+              </a:lnSpc>
+            </a:pPr>
+            <a:r>
+              <a:rPr lang="zh-CN" altLang="en-US" sz="1333" kern="0" dirty="0">
+                <a:solidFill>
+                  <a:schemeClr val="bg1"/>
+                </a:solidFill>
+                <a:cs typeface="+mn-ea"/>
+                <a:sym typeface="+mn-lt"/>
+              </a:rPr>
+              <a:t>采用腾讯云</a:t>
+            </a:r>
+            <a:r>
+              <a:rPr lang="en-US" altLang="zh-CN" sz="1333" kern="0" dirty="0">
+                <a:solidFill>
+                  <a:schemeClr val="bg1"/>
+                </a:solidFill>
+                <a:cs typeface="+mn-ea"/>
+                <a:sym typeface="+mn-lt"/>
+              </a:rPr>
+              <a:t>1G1H</a:t>
+            </a:r>
+            <a:r>
+              <a:rPr lang="zh-CN" altLang="en-US" sz="1333" kern="0" dirty="0">
+                <a:solidFill>
+                  <a:schemeClr val="bg1"/>
+                </a:solidFill>
+                <a:cs typeface="+mn-ea"/>
+                <a:sym typeface="+mn-lt"/>
+              </a:rPr>
+              <a:t>高性能服务器，满足高并发时的业务需求</a:t>
+            </a:r>
+            <a:endParaRPr lang="zh-CN" altLang="zh-CN" sz="1333" kern="0" dirty="0">
+              <a:solidFill>
+                <a:schemeClr val="bg1"/>
+              </a:solidFill>
+              <a:cs typeface="+mn-ea"/>
+              <a:sym typeface="+mn-lt"/>
+            </a:endParaRPr>
+          </a:p>
+        </p:txBody>
+      </p:sp>
+      <p:sp>
+        <p:nvSpPr>
+          <p:cNvPr id="77" name="文本框 76"/>
+          <p:cNvSpPr txBox="1"/>
+          <p:nvPr/>
+        </p:nvSpPr>
+        <p:spPr>
+          <a:xfrm flipH="1">
+            <a:off x="2486433" y="3261098"/>
+            <a:ext cx="1005403" cy="338554"/>
+          </a:xfrm>
+          <a:prstGeom prst="rect">
+            <a:avLst/>
+          </a:prstGeom>
+          <a:noFill/>
+        </p:spPr>
+        <p:txBody>
+          <a:bodyPr wrap="none" rtlCol="0">
+            <a:spAutoFit/>
+          </a:bodyPr>
+          <a:lstStyle/>
+          <a:p>
+            <a:pPr algn="ctr" defTabSz="914309"/>
+            <a:r>
+              <a:rPr kumimoji="1" lang="zh-CN" altLang="en-US" sz="1600" b="1" kern="0" dirty="0">
+                <a:solidFill>
+                  <a:schemeClr val="accent4"/>
+                </a:solidFill>
+                <a:cs typeface="+mn-ea"/>
+                <a:sym typeface="+mn-lt"/>
+              </a:rPr>
+              <a:t>域名解析</a:t>
+            </a:r>
+          </a:p>
+        </p:txBody>
+      </p:sp>
+      <p:sp>
+        <p:nvSpPr>
+          <p:cNvPr id="78" name="文本框 77"/>
+          <p:cNvSpPr txBox="1"/>
+          <p:nvPr/>
+        </p:nvSpPr>
+        <p:spPr>
+          <a:xfrm flipH="1">
+            <a:off x="1311762" y="3587312"/>
+            <a:ext cx="2600121" cy="599203"/>
+          </a:xfrm>
+          <a:prstGeom prst="rect">
+            <a:avLst/>
+          </a:prstGeom>
+          <a:noFill/>
+        </p:spPr>
+        <p:txBody>
+          <a:bodyPr wrap="square" rtlCol="0">
+            <a:spAutoFit/>
+          </a:bodyPr>
+          <a:lstStyle/>
+          <a:p>
+            <a:pPr defTabSz="914309">
+              <a:lnSpc>
+                <a:spcPct val="130000"/>
+              </a:lnSpc>
+            </a:pPr>
+            <a:r>
+              <a:rPr lang="zh-CN" altLang="en-US" sz="1333" kern="0" dirty="0">
+                <a:solidFill>
+                  <a:schemeClr val="bg1"/>
+                </a:solidFill>
+                <a:cs typeface="+mn-ea"/>
+                <a:sym typeface="+mn-lt"/>
+              </a:rPr>
+              <a:t>申请域名并配置服务器，能通过域名访问网站</a:t>
+            </a:r>
+            <a:endParaRPr kumimoji="1" lang="zh-CN" altLang="en-US" sz="1067" kern="0" dirty="0">
+              <a:solidFill>
+                <a:schemeClr val="bg1"/>
+              </a:solidFill>
+              <a:cs typeface="+mn-ea"/>
+              <a:sym typeface="+mn-lt"/>
+            </a:endParaRPr>
+          </a:p>
+        </p:txBody>
+      </p:sp>
+      <p:sp>
+        <p:nvSpPr>
+          <p:cNvPr id="79" name="文本框 78"/>
+          <p:cNvSpPr txBox="1"/>
+          <p:nvPr/>
+        </p:nvSpPr>
+        <p:spPr>
+          <a:xfrm flipH="1">
+            <a:off x="2708447" y="4601110"/>
+            <a:ext cx="1210588" cy="338554"/>
+          </a:xfrm>
+          <a:prstGeom prst="rect">
+            <a:avLst/>
+          </a:prstGeom>
+          <a:noFill/>
+        </p:spPr>
+        <p:txBody>
+          <a:bodyPr wrap="none" rtlCol="0">
+            <a:spAutoFit/>
+          </a:bodyPr>
+          <a:lstStyle/>
+          <a:p>
+            <a:pPr algn="ctr" defTabSz="914309"/>
+            <a:r>
+              <a:rPr kumimoji="1" lang="zh-CN" altLang="en-US" sz="1600" b="1" kern="0" dirty="0">
+                <a:solidFill>
+                  <a:schemeClr val="accent2"/>
+                </a:solidFill>
+                <a:cs typeface="+mn-ea"/>
+                <a:sym typeface="+mn-lt"/>
+              </a:rPr>
+              <a:t>防火墙配置</a:t>
+            </a:r>
+          </a:p>
+        </p:txBody>
+      </p:sp>
+      <p:sp>
+        <p:nvSpPr>
+          <p:cNvPr id="80" name="文本框 79"/>
+          <p:cNvSpPr txBox="1"/>
+          <p:nvPr/>
+        </p:nvSpPr>
+        <p:spPr>
+          <a:xfrm flipH="1">
+            <a:off x="2091093" y="4927325"/>
+            <a:ext cx="2445293" cy="625684"/>
+          </a:xfrm>
+          <a:prstGeom prst="rect">
+            <a:avLst/>
+          </a:prstGeom>
+          <a:noFill/>
+        </p:spPr>
+        <p:txBody>
+          <a:bodyPr wrap="square" rtlCol="0">
+            <a:spAutoFit/>
+          </a:bodyPr>
+          <a:lstStyle/>
+          <a:p>
+            <a:pPr defTabSz="914309">
+              <a:lnSpc>
+                <a:spcPct val="130000"/>
+              </a:lnSpc>
+            </a:pPr>
+            <a:r>
+              <a:rPr lang="zh-CN" altLang="en-US" sz="1333" kern="0" dirty="0">
+                <a:solidFill>
+                  <a:schemeClr val="bg1"/>
+                </a:solidFill>
+                <a:cs typeface="+mn-ea"/>
+                <a:sym typeface="+mn-lt"/>
+              </a:rPr>
+              <a:t>配置服务器端</a:t>
+            </a:r>
+            <a:r>
+              <a:rPr lang="en-US" altLang="zh-CN" sz="1333" kern="0" dirty="0" err="1">
+                <a:solidFill>
+                  <a:schemeClr val="bg1"/>
+                </a:solidFill>
+                <a:cs typeface="+mn-ea"/>
+                <a:sym typeface="+mn-lt"/>
+              </a:rPr>
+              <a:t>iptables</a:t>
+            </a:r>
+            <a:r>
+              <a:rPr lang="zh-CN" altLang="en-US" sz="1333" kern="0" dirty="0">
+                <a:solidFill>
+                  <a:schemeClr val="bg1"/>
+                </a:solidFill>
+                <a:cs typeface="+mn-ea"/>
+                <a:sym typeface="+mn-lt"/>
+              </a:rPr>
+              <a:t>，仅放通所需端口</a:t>
+            </a:r>
+            <a:endParaRPr kumimoji="1" lang="zh-CN" altLang="en-US" sz="1067" kern="0" dirty="0">
+              <a:solidFill>
+                <a:schemeClr val="bg1"/>
+              </a:solidFill>
+              <a:cs typeface="+mn-ea"/>
+              <a:sym typeface="+mn-lt"/>
+            </a:endParaRPr>
+          </a:p>
+        </p:txBody>
+      </p:sp>
+      <p:sp>
+        <p:nvSpPr>
+          <p:cNvPr id="81" name="文本框 80"/>
+          <p:cNvSpPr txBox="1"/>
+          <p:nvPr/>
+        </p:nvSpPr>
+        <p:spPr>
+          <a:xfrm flipH="1">
+            <a:off x="5597311" y="3716693"/>
+            <a:ext cx="997389" cy="338554"/>
+          </a:xfrm>
+          <a:prstGeom prst="rect">
+            <a:avLst/>
+          </a:prstGeom>
+          <a:noFill/>
+        </p:spPr>
+        <p:txBody>
+          <a:bodyPr wrap="none" rtlCol="0">
+            <a:spAutoFit/>
+          </a:bodyPr>
+          <a:lstStyle/>
+          <a:p>
+            <a:pPr algn="ctr" defTabSz="914309"/>
+            <a:r>
+              <a:rPr kumimoji="1" lang="zh-CN" altLang="en-US" sz="1600" b="1" kern="0" dirty="0">
+                <a:solidFill>
+                  <a:schemeClr val="accent1"/>
+                </a:solidFill>
+                <a:cs typeface="+mn-ea"/>
+                <a:sym typeface="+mn-lt"/>
+              </a:rPr>
+              <a:t>项目集合</a:t>
+            </a:r>
+          </a:p>
+        </p:txBody>
+      </p:sp>
+    </p:spTree>
+    <p:extLst>
+      <p:ext uri="{BB962C8B-B14F-4D97-AF65-F5344CB8AC3E}">
+        <p14:creationId xmlns:p14="http://schemas.microsoft.com/office/powerpoint/2010/main" val="512175308"/>
       </p:ext>
     </p:extLst>
   </p:cSld>
